--- a/James Gosling.pptx
+++ b/James Gosling.pptx
@@ -7,8 +7,12 @@
   <p:sldIdLst>
     <p:sldId id="256" r:id="rId2"/>
     <p:sldId id="257" r:id="rId3"/>
-    <p:sldId id="258" r:id="rId4"/>
-    <p:sldId id="259" r:id="rId5"/>
+    <p:sldId id="260" r:id="rId4"/>
+    <p:sldId id="262" r:id="rId5"/>
+    <p:sldId id="258" r:id="rId6"/>
+    <p:sldId id="259" r:id="rId7"/>
+    <p:sldId id="261" r:id="rId8"/>
+    <p:sldId id="263" r:id="rId9"/>
   </p:sldIdLst>
   <p:sldSz cx="12192000" cy="6858000"/>
   <p:notesSz cx="6858000" cy="9144000"/>
@@ -114,14 +118,21 @@
           <p14:sldIdLst>
             <p14:sldId id="256"/>
             <p14:sldId id="257"/>
+            <p14:sldId id="260"/>
+            <p14:sldId id="262"/>
             <p14:sldId id="258"/>
             <p14:sldId id="259"/>
+            <p14:sldId id="261"/>
+            <p14:sldId id="263"/>
           </p14:sldIdLst>
         </p14:section>
         <p14:section name="Névtelen szakasz" id="{6168AD69-2E49-4262-8A29-9A0562C6868D}">
           <p14:sldIdLst/>
         </p14:section>
       </p14:sectionLst>
+    </p:ext>
+    <p:ext uri="{EFAFB233-063F-42B5-8137-9DF3F51BA10A}">
+      <p15:sldGuideLst xmlns:p15="http://schemas.microsoft.com/office/powerpoint/2012/main"/>
     </p:ext>
   </p:extLst>
 </p:presentation>
@@ -312,7 +323,7 @@
           <a:p>
             <a:fld id="{E63833D1-44AB-4973-BE4D-E0C4D873CF55}" type="datetimeFigureOut">
               <a:rPr lang="hu-HU" smtClean="0"/>
-              <a:t>2024. 09. 16.</a:t>
+              <a:t>2024. 09. 27.</a:t>
             </a:fld>
             <a:endParaRPr lang="hu-HU"/>
           </a:p>
@@ -610,7 +621,7 @@
           <a:p>
             <a:fld id="{E63833D1-44AB-4973-BE4D-E0C4D873CF55}" type="datetimeFigureOut">
               <a:rPr lang="hu-HU" smtClean="0"/>
-              <a:t>2024. 09. 16.</a:t>
+              <a:t>2024. 09. 27.</a:t>
             </a:fld>
             <a:endParaRPr lang="hu-HU"/>
           </a:p>
@@ -802,7 +813,7 @@
           <a:p>
             <a:fld id="{E63833D1-44AB-4973-BE4D-E0C4D873CF55}" type="datetimeFigureOut">
               <a:rPr lang="hu-HU" smtClean="0"/>
-              <a:t>2024. 09. 16.</a:t>
+              <a:t>2024. 09. 27.</a:t>
             </a:fld>
             <a:endParaRPr lang="hu-HU"/>
           </a:p>
@@ -1063,7 +1074,7 @@
           <a:p>
             <a:fld id="{E63833D1-44AB-4973-BE4D-E0C4D873CF55}" type="datetimeFigureOut">
               <a:rPr lang="hu-HU" smtClean="0"/>
-              <a:t>2024. 09. 16.</a:t>
+              <a:t>2024. 09. 27.</a:t>
             </a:fld>
             <a:endParaRPr lang="hu-HU"/>
           </a:p>
@@ -1487,7 +1498,7 @@
           <a:p>
             <a:fld id="{E63833D1-44AB-4973-BE4D-E0C4D873CF55}" type="datetimeFigureOut">
               <a:rPr lang="hu-HU" smtClean="0"/>
-              <a:t>2024. 09. 16.</a:t>
+              <a:t>2024. 09. 27.</a:t>
             </a:fld>
             <a:endParaRPr lang="hu-HU"/>
           </a:p>
@@ -2024,7 +2035,7 @@
           <a:p>
             <a:fld id="{E63833D1-44AB-4973-BE4D-E0C4D873CF55}" type="datetimeFigureOut">
               <a:rPr lang="hu-HU" smtClean="0"/>
-              <a:t>2024. 09. 16.</a:t>
+              <a:t>2024. 09. 27.</a:t>
             </a:fld>
             <a:endParaRPr lang="hu-HU"/>
           </a:p>
@@ -2888,7 +2899,7 @@
           <a:p>
             <a:fld id="{E63833D1-44AB-4973-BE4D-E0C4D873CF55}" type="datetimeFigureOut">
               <a:rPr lang="hu-HU" smtClean="0"/>
-              <a:t>2024. 09. 16.</a:t>
+              <a:t>2024. 09. 27.</a:t>
             </a:fld>
             <a:endParaRPr lang="hu-HU"/>
           </a:p>
@@ -3058,7 +3069,7 @@
           <a:p>
             <a:fld id="{E63833D1-44AB-4973-BE4D-E0C4D873CF55}" type="datetimeFigureOut">
               <a:rPr lang="hu-HU" smtClean="0"/>
-              <a:t>2024. 09. 16.</a:t>
+              <a:t>2024. 09. 27.</a:t>
             </a:fld>
             <a:endParaRPr lang="hu-HU"/>
           </a:p>
@@ -3242,7 +3253,7 @@
           <a:p>
             <a:fld id="{E63833D1-44AB-4973-BE4D-E0C4D873CF55}" type="datetimeFigureOut">
               <a:rPr lang="hu-HU" smtClean="0"/>
-              <a:t>2024. 09. 16.</a:t>
+              <a:t>2024. 09. 27.</a:t>
             </a:fld>
             <a:endParaRPr lang="hu-HU"/>
           </a:p>
@@ -3412,7 +3423,7 @@
           <a:p>
             <a:fld id="{E63833D1-44AB-4973-BE4D-E0C4D873CF55}" type="datetimeFigureOut">
               <a:rPr lang="hu-HU" smtClean="0"/>
-              <a:t>2024. 09. 16.</a:t>
+              <a:t>2024. 09. 27.</a:t>
             </a:fld>
             <a:endParaRPr lang="hu-HU"/>
           </a:p>
@@ -3656,7 +3667,7 @@
           <a:p>
             <a:fld id="{E63833D1-44AB-4973-BE4D-E0C4D873CF55}" type="datetimeFigureOut">
               <a:rPr lang="hu-HU" smtClean="0"/>
-              <a:t>2024. 09. 16.</a:t>
+              <a:t>2024. 09. 27.</a:t>
             </a:fld>
             <a:endParaRPr lang="hu-HU"/>
           </a:p>
@@ -3892,7 +3903,7 @@
           <a:p>
             <a:fld id="{E63833D1-44AB-4973-BE4D-E0C4D873CF55}" type="datetimeFigureOut">
               <a:rPr lang="hu-HU" smtClean="0"/>
-              <a:t>2024. 09. 16.</a:t>
+              <a:t>2024. 09. 27.</a:t>
             </a:fld>
             <a:endParaRPr lang="hu-HU"/>
           </a:p>
@@ -4358,7 +4369,7 @@
           <a:p>
             <a:fld id="{E63833D1-44AB-4973-BE4D-E0C4D873CF55}" type="datetimeFigureOut">
               <a:rPr lang="hu-HU" smtClean="0"/>
-              <a:t>2024. 09. 16.</a:t>
+              <a:t>2024. 09. 27.</a:t>
             </a:fld>
             <a:endParaRPr lang="hu-HU"/>
           </a:p>
@@ -4476,7 +4487,7 @@
           <a:p>
             <a:fld id="{E63833D1-44AB-4973-BE4D-E0C4D873CF55}" type="datetimeFigureOut">
               <a:rPr lang="hu-HU" smtClean="0"/>
-              <a:t>2024. 09. 16.</a:t>
+              <a:t>2024. 09. 27.</a:t>
             </a:fld>
             <a:endParaRPr lang="hu-HU"/>
           </a:p>
@@ -4571,7 +4582,7 @@
           <a:p>
             <a:fld id="{E63833D1-44AB-4973-BE4D-E0C4D873CF55}" type="datetimeFigureOut">
               <a:rPr lang="hu-HU" smtClean="0"/>
-              <a:t>2024. 09. 16.</a:t>
+              <a:t>2024. 09. 27.</a:t>
             </a:fld>
             <a:endParaRPr lang="hu-HU"/>
           </a:p>
@@ -4826,7 +4837,7 @@
           <a:p>
             <a:fld id="{E63833D1-44AB-4973-BE4D-E0C4D873CF55}" type="datetimeFigureOut">
               <a:rPr lang="hu-HU" smtClean="0"/>
-              <a:t>2024. 09. 16.</a:t>
+              <a:t>2024. 09. 27.</a:t>
             </a:fld>
             <a:endParaRPr lang="hu-HU"/>
           </a:p>
@@ -5126,7 +5137,7 @@
           <a:p>
             <a:fld id="{E63833D1-44AB-4973-BE4D-E0C4D873CF55}" type="datetimeFigureOut">
               <a:rPr lang="hu-HU" smtClean="0"/>
-              <a:t>2024. 09. 16.</a:t>
+              <a:t>2024. 09. 27.</a:t>
             </a:fld>
             <a:endParaRPr lang="hu-HU"/>
           </a:p>
@@ -5360,7 +5371,7 @@
           <a:p>
             <a:fld id="{E63833D1-44AB-4973-BE4D-E0C4D873CF55}" type="datetimeFigureOut">
               <a:rPr lang="hu-HU" smtClean="0"/>
-              <a:t>2024. 09. 16.</a:t>
+              <a:t>2024. 09. 27.</a:t>
             </a:fld>
             <a:endParaRPr lang="hu-HU"/>
           </a:p>
@@ -6145,6 +6156,14 @@
   <p:clrMapOvr>
     <a:masterClrMapping/>
   </p:clrMapOvr>
+  <mc:AlternateContent xmlns:mc="http://schemas.openxmlformats.org/markup-compatibility/2006">
+    <mc:Choice xmlns:p14="http://schemas.microsoft.com/office/powerpoint/2010/main" Requires="p14">
+      <p:transition p14:dur="0"/>
+    </mc:Choice>
+    <mc:Fallback>
+      <p:transition/>
+    </mc:Fallback>
+  </mc:AlternateContent>
   <p:timing>
     <p:tnLst>
       <p:par>
@@ -6215,13 +6234,13 @@
         </p:nvSpPr>
         <p:spPr>
           <a:xfrm>
-            <a:off x="913795" y="1754220"/>
-            <a:ext cx="10353762" cy="4058751"/>
+            <a:off x="913795" y="1807535"/>
+            <a:ext cx="6337610" cy="4423144"/>
           </a:xfrm>
         </p:spPr>
         <p:txBody>
           <a:bodyPr>
-            <a:normAutofit/>
+            <a:normAutofit fontScale="92500"/>
           </a:bodyPr>
           <a:lstStyle/>
           <a:p>
@@ -6292,6 +6311,39 @@
                 <a:effectLst/>
               </a:rPr>
               <a:t>Canada</a:t>
+            </a:r>
+            <a:endParaRPr lang="hu-HU" dirty="0" smtClean="0">
+              <a:effectLst/>
+            </a:endParaRPr>
+          </a:p>
+          <a:p>
+            <a:r>
+              <a:rPr lang="en-US" dirty="0"/>
+              <a:t>James Gosling attended William </a:t>
+            </a:r>
+            <a:r>
+              <a:rPr lang="en-US" dirty="0" err="1"/>
+              <a:t>Aberhart</a:t>
+            </a:r>
+            <a:r>
+              <a:rPr lang="en-US" dirty="0"/>
+              <a:t> High School in Calgary, Alberta. He contributed to software for analyzing data from the ISIS 2 satellite while working at the University of Calgary. He holds a Bachelor of Science from the University of Calgary and an M.A. and Ph.D. in computer science from Carnegie Mellon University. During his doctorate, he developed Gosling </a:t>
+            </a:r>
+            <a:r>
+              <a:rPr lang="en-US" dirty="0" err="1"/>
+              <a:t>Emacs</a:t>
+            </a:r>
+            <a:r>
+              <a:rPr lang="en-US" dirty="0"/>
+              <a:t> (</a:t>
+            </a:r>
+            <a:r>
+              <a:rPr lang="en-US" dirty="0" err="1"/>
+              <a:t>Gosmacs</a:t>
+            </a:r>
+            <a:r>
+              <a:rPr lang="en-US" dirty="0"/>
+              <a:t>) and built a multi-processor version of Unix for a 16-way computer system. He later worked at Sun Microsystems, where he developed several compilers and mail systems. Gosling has two children, Katie and Kelsey, from two marriages.</a:t>
             </a:r>
             <a:endParaRPr lang="hu-HU" dirty="0" smtClean="0">
               <a:effectLst/>
@@ -6325,7 +6377,7 @@
         </p:blipFill>
         <p:spPr bwMode="auto">
           <a:xfrm>
-            <a:off x="7938860" y="3183376"/>
+            <a:off x="7853799" y="1807535"/>
             <a:ext cx="3948340" cy="2629595"/>
           </a:xfrm>
           <a:prstGeom prst="rect">
@@ -6353,6 +6405,9 @@
   <p:clrMapOvr>
     <a:masterClrMapping/>
   </p:clrMapOvr>
+  <p:transition spd="slow">
+    <p:cover/>
+  </p:transition>
   <p:timing>
     <p:tnLst>
       <p:par>
@@ -6396,8 +6451,16 @@
           <a:lstStyle/>
           <a:p>
             <a:r>
+              <a:rPr lang="hu-HU" dirty="0" err="1" smtClean="0"/>
+              <a:t>His</a:t>
+            </a:r>
+            <a:r>
               <a:rPr lang="hu-HU" dirty="0" smtClean="0"/>
-              <a:t>Java</a:t>
+              <a:t> </a:t>
+            </a:r>
+            <a:r>
+              <a:rPr lang="hu-HU" dirty="0" err="1" smtClean="0"/>
+              <a:t>carrier</a:t>
             </a:r>
             <a:endParaRPr lang="hu-HU" dirty="0"/>
           </a:p>
@@ -6413,25 +6476,129 @@
             <p:ph idx="1"/>
           </p:nvPr>
         </p:nvSpPr>
-        <p:spPr/>
-        <p:txBody>
-          <a:bodyPr/>
-          <a:lstStyle/>
-          <a:p>
-            <a:endParaRPr lang="hu-HU"/>
-          </a:p>
-        </p:txBody>
-      </p:sp>
+        <p:spPr>
+          <a:xfrm>
+            <a:off x="913795" y="1902570"/>
+            <a:ext cx="5755773" cy="4058751"/>
+          </a:xfrm>
+        </p:spPr>
+        <p:txBody>
+          <a:bodyPr>
+            <a:normAutofit fontScale="92500"/>
+          </a:bodyPr>
+          <a:lstStyle/>
+          <a:p>
+            <a:r>
+              <a:rPr lang="en-US" dirty="0"/>
+              <a:t>James Gosling worked at Sun Microsystems from 1984 to 2010, where he invented </a:t>
+            </a:r>
+            <a:r>
+              <a:rPr lang="en-US" dirty="0" err="1"/>
+              <a:t>NeWS</a:t>
+            </a:r>
+            <a:r>
+              <a:rPr lang="en-US" dirty="0"/>
+              <a:t>, an early Unix windowing system, and is best known as the father of the Java programming language, which he created in 1994. He developed Java's original design, compiler, and virtual machine. He left Sun in 2010 after its acquisition by Oracle, citing ethical concerns and changes in his role. Gosling later worked at Google, joined Liquid Robotics, which was acquired by Boeing, and moved to Amazon Web Services as a Distinguished Engineer in 2017. He retired in July 2024. He also serves as an advisor and board member for several companies.</a:t>
+            </a:r>
+            <a:endParaRPr lang="hu-HU" dirty="0"/>
+          </a:p>
+        </p:txBody>
+      </p:sp>
+      <p:pic>
+        <p:nvPicPr>
+          <p:cNvPr id="1026" name="Picture 2" descr="James Gosling | Literasi Komputer"/>
+          <p:cNvPicPr>
+            <a:picLocks noChangeAspect="1" noChangeArrowheads="1"/>
+          </p:cNvPicPr>
+          <p:nvPr/>
+        </p:nvPicPr>
+        <p:blipFill>
+          <a:blip r:embed="rId2">
+            <a:extLst>
+              <a:ext uri="{28A0092B-C50C-407E-A947-70E740481C1C}">
+                <a14:useLocalDpi xmlns:a14="http://schemas.microsoft.com/office/drawing/2010/main" val="0"/>
+              </a:ext>
+            </a:extLst>
+          </a:blip>
+          <a:srcRect/>
+          <a:stretch>
+            <a:fillRect/>
+          </a:stretch>
+        </p:blipFill>
+        <p:spPr bwMode="auto">
+          <a:xfrm>
+            <a:off x="8219557" y="759569"/>
+            <a:ext cx="3048000" cy="2286001"/>
+          </a:xfrm>
+          <a:prstGeom prst="rect">
+            <a:avLst/>
+          </a:prstGeom>
+          <a:noFill/>
+          <a:extLst>
+            <a:ext uri="{909E8E84-426E-40DD-AFC4-6F175D3DCCD1}">
+              <a14:hiddenFill xmlns:a14="http://schemas.microsoft.com/office/drawing/2010/main">
+                <a:solidFill>
+                  <a:srgbClr val="FFFFFF"/>
+                </a:solidFill>
+              </a14:hiddenFill>
+            </a:ext>
+          </a:extLst>
+        </p:spPr>
+      </p:pic>
+      <p:pic>
+        <p:nvPicPr>
+          <p:cNvPr id="1028" name="Picture 4" descr="Java founder James Gosling joins Google - CNET"/>
+          <p:cNvPicPr>
+            <a:picLocks noChangeAspect="1" noChangeArrowheads="1"/>
+          </p:cNvPicPr>
+          <p:nvPr/>
+        </p:nvPicPr>
+        <p:blipFill>
+          <a:blip r:embed="rId3" cstate="print">
+            <a:extLst>
+              <a:ext uri="{28A0092B-C50C-407E-A947-70E740481C1C}">
+                <a14:useLocalDpi xmlns:a14="http://schemas.microsoft.com/office/drawing/2010/main" val="0"/>
+              </a:ext>
+            </a:extLst>
+          </a:blip>
+          <a:srcRect/>
+          <a:stretch>
+            <a:fillRect/>
+          </a:stretch>
+        </p:blipFill>
+        <p:spPr bwMode="auto">
+          <a:xfrm>
+            <a:off x="8219557" y="3387872"/>
+            <a:ext cx="3048000" cy="2651420"/>
+          </a:xfrm>
+          <a:prstGeom prst="rect">
+            <a:avLst/>
+          </a:prstGeom>
+          <a:noFill/>
+          <a:extLst>
+            <a:ext uri="{909E8E84-426E-40DD-AFC4-6F175D3DCCD1}">
+              <a14:hiddenFill xmlns:a14="http://schemas.microsoft.com/office/drawing/2010/main">
+                <a:solidFill>
+                  <a:srgbClr val="FFFFFF"/>
+                </a:solidFill>
+              </a14:hiddenFill>
+            </a:ext>
+          </a:extLst>
+        </p:spPr>
+      </p:pic>
     </p:spTree>
     <p:extLst>
       <p:ext uri="{BB962C8B-B14F-4D97-AF65-F5344CB8AC3E}">
-        <p14:creationId xmlns:p14="http://schemas.microsoft.com/office/powerpoint/2010/main" val="2814539156"/>
+        <p14:creationId xmlns:p14="http://schemas.microsoft.com/office/powerpoint/2010/main" val="266721436"/>
       </p:ext>
     </p:extLst>
   </p:cSld>
   <p:clrMapOvr>
     <a:masterClrMapping/>
   </p:clrMapOvr>
+  <p:transition spd="slow">
+    <p:push dir="u"/>
+  </p:transition>
   <p:timing>
     <p:tnLst>
       <p:par>
@@ -6476,7 +6643,15 @@
           <a:p>
             <a:r>
               <a:rPr lang="hu-HU" dirty="0" err="1" smtClean="0"/>
-              <a:t>Awards</a:t>
+              <a:t>Gosling</a:t>
+            </a:r>
+            <a:r>
+              <a:rPr lang="hu-HU" dirty="0" smtClean="0"/>
+              <a:t> </a:t>
+            </a:r>
+            <a:r>
+              <a:rPr lang="hu-HU" dirty="0" err="1" smtClean="0"/>
+              <a:t>Emacs</a:t>
             </a:r>
             <a:endParaRPr lang="hu-HU" dirty="0"/>
           </a:p>
@@ -6492,15 +6667,776 @@
             <p:ph idx="1"/>
           </p:nvPr>
         </p:nvSpPr>
+        <p:spPr>
+          <a:xfrm>
+            <a:off x="913795" y="1732449"/>
+            <a:ext cx="5231824" cy="4058751"/>
+          </a:xfrm>
+        </p:spPr>
+        <p:txBody>
+          <a:bodyPr>
+            <a:normAutofit lnSpcReduction="10000"/>
+          </a:bodyPr>
+          <a:lstStyle/>
+          <a:p>
+            <a:r>
+              <a:rPr lang="en-US" dirty="0"/>
+              <a:t>Gosling </a:t>
+            </a:r>
+            <a:r>
+              <a:rPr lang="en-US" dirty="0" err="1"/>
+              <a:t>Emacs</a:t>
+            </a:r>
+            <a:r>
+              <a:rPr lang="en-US" dirty="0"/>
+              <a:t> (also known as "</a:t>
+            </a:r>
+            <a:r>
+              <a:rPr lang="en-US" dirty="0" err="1"/>
+              <a:t>Gosmacs</a:t>
+            </a:r>
+            <a:r>
+              <a:rPr lang="en-US" dirty="0"/>
+              <a:t>" or "</a:t>
+            </a:r>
+            <a:r>
+              <a:rPr lang="en-US" dirty="0" err="1"/>
+              <a:t>gmacs</a:t>
+            </a:r>
+            <a:r>
+              <a:rPr lang="en-US" dirty="0"/>
+              <a:t>") was an early </a:t>
+            </a:r>
+            <a:r>
+              <a:rPr lang="en-US" dirty="0" err="1"/>
+              <a:t>Emacs</a:t>
+            </a:r>
+            <a:r>
+              <a:rPr lang="en-US" dirty="0"/>
+              <a:t> implementation written in 1981 by James Gosling in C. Initially, Gosling allowed it to be freely redistributed, following the "</a:t>
+            </a:r>
+            <a:r>
+              <a:rPr lang="en-US" dirty="0" err="1"/>
+              <a:t>Emacs</a:t>
+            </a:r>
+            <a:r>
+              <a:rPr lang="en-US" dirty="0"/>
+              <a:t> commune" tradition. However, after failing to find maintainers for his version, he sold it to </a:t>
+            </a:r>
+            <a:r>
+              <a:rPr lang="en-US" dirty="0" err="1"/>
+              <a:t>UniPress</a:t>
+            </a:r>
+            <a:r>
+              <a:rPr lang="en-US" dirty="0"/>
+              <a:t>, who agreed to reasonable terms. This led to a dispute with Richard Stallman, which eventually inspired the creation of the first formal </a:t>
+            </a:r>
+            <a:r>
+              <a:rPr lang="en-US" dirty="0" err="1"/>
+              <a:t>Emacs</a:t>
+            </a:r>
+            <a:r>
+              <a:rPr lang="en-US" dirty="0"/>
+              <a:t> license, later becoming the GPL, following the introduction of software copyright in 1980.</a:t>
+            </a:r>
+            <a:endParaRPr lang="hu-HU" dirty="0"/>
+          </a:p>
+        </p:txBody>
+      </p:sp>
+      <p:pic>
+        <p:nvPicPr>
+          <p:cNvPr id="3074" name="Picture 2" descr="James Gosling by Moiz Sajid on Prezi"/>
+          <p:cNvPicPr>
+            <a:picLocks noChangeAspect="1" noChangeArrowheads="1"/>
+          </p:cNvPicPr>
+          <p:nvPr/>
+        </p:nvPicPr>
+        <p:blipFill>
+          <a:blip r:embed="rId2">
+            <a:extLst>
+              <a:ext uri="{28A0092B-C50C-407E-A947-70E740481C1C}">
+                <a14:useLocalDpi xmlns:a14="http://schemas.microsoft.com/office/drawing/2010/main" val="0"/>
+              </a:ext>
+            </a:extLst>
+          </a:blip>
+          <a:srcRect/>
+          <a:stretch>
+            <a:fillRect/>
+          </a:stretch>
+        </p:blipFill>
+        <p:spPr bwMode="auto">
+          <a:xfrm>
+            <a:off x="6375105" y="2379036"/>
+            <a:ext cx="5435809" cy="3181792"/>
+          </a:xfrm>
+          <a:prstGeom prst="rect">
+            <a:avLst/>
+          </a:prstGeom>
+          <a:noFill/>
+          <a:extLst>
+            <a:ext uri="{909E8E84-426E-40DD-AFC4-6F175D3DCCD1}">
+              <a14:hiddenFill xmlns:a14="http://schemas.microsoft.com/office/drawing/2010/main">
+                <a:solidFill>
+                  <a:srgbClr val="FFFFFF"/>
+                </a:solidFill>
+              </a14:hiddenFill>
+            </a:ext>
+          </a:extLst>
+        </p:spPr>
+      </p:pic>
+      <p:pic>
+        <p:nvPicPr>
+          <p:cNvPr id="3076" name="Picture 4" descr="The father of Java"/>
+          <p:cNvPicPr>
+            <a:picLocks noChangeAspect="1" noChangeArrowheads="1"/>
+          </p:cNvPicPr>
+          <p:nvPr/>
+        </p:nvPicPr>
+        <p:blipFill>
+          <a:blip r:embed="rId3" cstate="print">
+            <a:extLst>
+              <a:ext uri="{28A0092B-C50C-407E-A947-70E740481C1C}">
+                <a14:useLocalDpi xmlns:a14="http://schemas.microsoft.com/office/drawing/2010/main" val="0"/>
+              </a:ext>
+            </a:extLst>
+          </a:blip>
+          <a:srcRect/>
+          <a:stretch>
+            <a:fillRect/>
+          </a:stretch>
+        </p:blipFill>
+        <p:spPr bwMode="auto">
+          <a:xfrm>
+            <a:off x="120783" y="108326"/>
+            <a:ext cx="878937" cy="1624123"/>
+          </a:xfrm>
+          <a:prstGeom prst="rect">
+            <a:avLst/>
+          </a:prstGeom>
+          <a:noFill/>
+          <a:extLst>
+            <a:ext uri="{909E8E84-426E-40DD-AFC4-6F175D3DCCD1}">
+              <a14:hiddenFill xmlns:a14="http://schemas.microsoft.com/office/drawing/2010/main">
+                <a:solidFill>
+                  <a:srgbClr val="FFFFFF"/>
+                </a:solidFill>
+              </a14:hiddenFill>
+            </a:ext>
+          </a:extLst>
+        </p:spPr>
+      </p:pic>
+    </p:spTree>
+    <p:extLst>
+      <p:ext uri="{BB962C8B-B14F-4D97-AF65-F5344CB8AC3E}">
+        <p14:creationId xmlns:p14="http://schemas.microsoft.com/office/powerpoint/2010/main" val="1478606197"/>
+      </p:ext>
+    </p:extLst>
+  </p:cSld>
+  <p:clrMapOvr>
+    <a:masterClrMapping/>
+  </p:clrMapOvr>
+  <p:transition spd="slow">
+    <p:cover/>
+  </p:transition>
+  <p:timing>
+    <p:tnLst>
+      <p:par>
+        <p:cTn id="1" dur="indefinite" restart="never" nodeType="tmRoot"/>
+      </p:par>
+    </p:tnLst>
+  </p:timing>
+</p:sld>
+</file>
+
+<file path=ppt/slides/slide5.xml><?xml version="1.0" encoding="utf-8"?>
+<p:sld xmlns:a="http://schemas.openxmlformats.org/drawingml/2006/main" xmlns:r="http://schemas.openxmlformats.org/officeDocument/2006/relationships" xmlns:p="http://schemas.openxmlformats.org/presentationml/2006/main">
+  <p:cSld>
+    <p:spTree>
+      <p:nvGrpSpPr>
+        <p:cNvPr id="1" name=""/>
+        <p:cNvGrpSpPr/>
+        <p:nvPr/>
+      </p:nvGrpSpPr>
+      <p:grpSpPr>
+        <a:xfrm>
+          <a:off x="0" y="0"/>
+          <a:ext cx="0" cy="0"/>
+          <a:chOff x="0" y="0"/>
+          <a:chExt cx="0" cy="0"/>
+        </a:xfrm>
+      </p:grpSpPr>
+      <p:sp>
+        <p:nvSpPr>
+          <p:cNvPr id="2" name="Cím 1"/>
+          <p:cNvSpPr>
+            <a:spLocks noGrp="1"/>
+          </p:cNvSpPr>
+          <p:nvPr>
+            <p:ph type="title"/>
+          </p:nvPr>
+        </p:nvSpPr>
         <p:spPr/>
         <p:txBody>
           <a:bodyPr/>
           <a:lstStyle/>
           <a:p>
+            <a:r>
+              <a:rPr lang="hu-HU" dirty="0" smtClean="0"/>
+              <a:t>Java</a:t>
+            </a:r>
+            <a:endParaRPr lang="hu-HU" dirty="0"/>
+          </a:p>
+        </p:txBody>
+      </p:sp>
+      <p:sp>
+        <p:nvSpPr>
+          <p:cNvPr id="3" name="Tartalom helye 2"/>
+          <p:cNvSpPr>
+            <a:spLocks noGrp="1"/>
+          </p:cNvSpPr>
+          <p:nvPr>
+            <p:ph idx="1"/>
+          </p:nvPr>
+        </p:nvSpPr>
+        <p:spPr>
+          <a:xfrm>
+            <a:off x="913795" y="1580050"/>
+            <a:ext cx="6433303" cy="5001503"/>
+          </a:xfrm>
+        </p:spPr>
+        <p:txBody>
+          <a:bodyPr>
+            <a:normAutofit lnSpcReduction="10000"/>
+          </a:bodyPr>
+          <a:lstStyle/>
+          <a:p>
+            <a:r>
+              <a:rPr lang="en-US" dirty="0"/>
+              <a:t>Java is a high-level, object-oriented programming language designed for minimal implementation dependencies. It follows the "write once, run anywhere" (WORA) principle, allowing compiled Java code to run on any platform with a Java Virtual Machine (JVM). Its syntax is similar to C and C++, but with fewer low-level features. Java's dynamic capabilities, such as reflection and runtime code modification, distinguish it from traditional compiled languages.</a:t>
+            </a:r>
+          </a:p>
+          <a:p>
+            <a:r>
+              <a:rPr lang="en-US" dirty="0"/>
+              <a:t>Originally developed by James Gosling at Sun Microsystems and released in 1995, Java has remained popular, though its use has declined recently in favor of other JVM languages. The </a:t>
+            </a:r>
+            <a:r>
+              <a:rPr lang="en-US" dirty="0" err="1"/>
+              <a:t>OpenJDK</a:t>
+            </a:r>
+            <a:r>
+              <a:rPr lang="en-US" dirty="0"/>
+              <a:t> JVM is the official reference implementation, and as of March 2024, Java 22 is the latest version, with previous LTS versions 8, 11, 17, and 21 still supported.</a:t>
+            </a:r>
+          </a:p>
+          <a:p>
+            <a:endParaRPr lang="hu-HU" dirty="0"/>
+          </a:p>
+        </p:txBody>
+      </p:sp>
+      <p:pic>
+        <p:nvPicPr>
+          <p:cNvPr id="2050" name="Picture 2" descr="Why Java is Still Relevant: A Look at Its Versatility and Stability | by  Burak Acar | Medium"/>
+          <p:cNvPicPr>
+            <a:picLocks noChangeAspect="1" noChangeArrowheads="1"/>
+          </p:cNvPicPr>
+          <p:nvPr/>
+        </p:nvPicPr>
+        <p:blipFill>
+          <a:blip r:embed="rId2" cstate="print">
+            <a:extLst>
+              <a:ext uri="{28A0092B-C50C-407E-A947-70E740481C1C}">
+                <a14:useLocalDpi xmlns:a14="http://schemas.microsoft.com/office/drawing/2010/main" val="0"/>
+              </a:ext>
+            </a:extLst>
+          </a:blip>
+          <a:srcRect/>
+          <a:stretch>
+            <a:fillRect/>
+          </a:stretch>
+        </p:blipFill>
+        <p:spPr bwMode="auto">
+          <a:xfrm>
+            <a:off x="7347098" y="-230738"/>
+            <a:ext cx="4150611" cy="2179071"/>
+          </a:xfrm>
+          <a:prstGeom prst="rect">
+            <a:avLst/>
+          </a:prstGeom>
+          <a:noFill/>
+          <a:extLst>
+            <a:ext uri="{909E8E84-426E-40DD-AFC4-6F175D3DCCD1}">
+              <a14:hiddenFill xmlns:a14="http://schemas.microsoft.com/office/drawing/2010/main">
+                <a:solidFill>
+                  <a:srgbClr val="FFFFFF"/>
+                </a:solidFill>
+              </a14:hiddenFill>
+            </a:ext>
+          </a:extLst>
+        </p:spPr>
+      </p:pic>
+      <p:pic>
+        <p:nvPicPr>
+          <p:cNvPr id="2052" name="Picture 4" descr="Top Java Development Tools and Software | JRebel &amp; XRebel by Perforce"/>
+          <p:cNvPicPr>
+            <a:picLocks noChangeAspect="1" noChangeArrowheads="1"/>
+          </p:cNvPicPr>
+          <p:nvPr/>
+        </p:nvPicPr>
+        <p:blipFill>
+          <a:blip r:embed="rId3">
+            <a:extLst>
+              <a:ext uri="{28A0092B-C50C-407E-A947-70E740481C1C}">
+                <a14:useLocalDpi xmlns:a14="http://schemas.microsoft.com/office/drawing/2010/main" val="0"/>
+              </a:ext>
+            </a:extLst>
+          </a:blip>
+          <a:srcRect/>
+          <a:stretch>
+            <a:fillRect/>
+          </a:stretch>
+        </p:blipFill>
+        <p:spPr bwMode="auto">
+          <a:xfrm>
+            <a:off x="8141585" y="1913860"/>
+            <a:ext cx="3323800" cy="2083981"/>
+          </a:xfrm>
+          <a:prstGeom prst="rect">
+            <a:avLst/>
+          </a:prstGeom>
+          <a:noFill/>
+          <a:extLst>
+            <a:ext uri="{909E8E84-426E-40DD-AFC4-6F175D3DCCD1}">
+              <a14:hiddenFill xmlns:a14="http://schemas.microsoft.com/office/drawing/2010/main">
+                <a:solidFill>
+                  <a:srgbClr val="FFFFFF"/>
+                </a:solidFill>
+              </a14:hiddenFill>
+            </a:ext>
+          </a:extLst>
+        </p:spPr>
+      </p:pic>
+      <p:pic>
+        <p:nvPicPr>
+          <p:cNvPr id="2054" name="Picture 6" descr="Code using the Java tools you know and love - Azure | Microsoft Learn"/>
+          <p:cNvPicPr>
+            <a:picLocks noChangeAspect="1" noChangeArrowheads="1"/>
+          </p:cNvPicPr>
+          <p:nvPr/>
+        </p:nvPicPr>
+        <p:blipFill>
+          <a:blip r:embed="rId4" cstate="print">
+            <a:extLst>
+              <a:ext uri="{28A0092B-C50C-407E-A947-70E740481C1C}">
+                <a14:useLocalDpi xmlns:a14="http://schemas.microsoft.com/office/drawing/2010/main" val="0"/>
+              </a:ext>
+            </a:extLst>
+          </a:blip>
+          <a:srcRect/>
+          <a:stretch>
+            <a:fillRect/>
+          </a:stretch>
+        </p:blipFill>
+        <p:spPr bwMode="auto">
+          <a:xfrm>
+            <a:off x="8127998" y="4331651"/>
+            <a:ext cx="3337387" cy="2085867"/>
+          </a:xfrm>
+          <a:prstGeom prst="rect">
+            <a:avLst/>
+          </a:prstGeom>
+          <a:noFill/>
+          <a:extLst>
+            <a:ext uri="{909E8E84-426E-40DD-AFC4-6F175D3DCCD1}">
+              <a14:hiddenFill xmlns:a14="http://schemas.microsoft.com/office/drawing/2010/main">
+                <a:solidFill>
+                  <a:srgbClr val="FFFFFF"/>
+                </a:solidFill>
+              </a14:hiddenFill>
+            </a:ext>
+          </a:extLst>
+        </p:spPr>
+      </p:pic>
+    </p:spTree>
+    <p:extLst>
+      <p:ext uri="{BB962C8B-B14F-4D97-AF65-F5344CB8AC3E}">
+        <p14:creationId xmlns:p14="http://schemas.microsoft.com/office/powerpoint/2010/main" val="2814539156"/>
+      </p:ext>
+    </p:extLst>
+  </p:cSld>
+  <p:clrMapOvr>
+    <a:masterClrMapping/>
+  </p:clrMapOvr>
+  <p:transition spd="slow">
+    <p:push dir="u"/>
+  </p:transition>
+  <p:timing>
+    <p:tnLst>
+      <p:par>
+        <p:cTn id="1" dur="indefinite" restart="never" nodeType="tmRoot"/>
+      </p:par>
+    </p:tnLst>
+  </p:timing>
+</p:sld>
+</file>
+
+<file path=ppt/slides/slide6.xml><?xml version="1.0" encoding="utf-8"?>
+<p:sld xmlns:a="http://schemas.openxmlformats.org/drawingml/2006/main" xmlns:r="http://schemas.openxmlformats.org/officeDocument/2006/relationships" xmlns:p="http://schemas.openxmlformats.org/presentationml/2006/main">
+  <p:cSld>
+    <p:spTree>
+      <p:nvGrpSpPr>
+        <p:cNvPr id="1" name=""/>
+        <p:cNvGrpSpPr/>
+        <p:nvPr/>
+      </p:nvGrpSpPr>
+      <p:grpSpPr>
+        <a:xfrm>
+          <a:off x="0" y="0"/>
+          <a:ext cx="0" cy="0"/>
+          <a:chOff x="0" y="0"/>
+          <a:chExt cx="0" cy="0"/>
+        </a:xfrm>
+      </p:grpSpPr>
+      <p:sp>
+        <p:nvSpPr>
+          <p:cNvPr id="2" name="Cím 1"/>
+          <p:cNvSpPr>
+            <a:spLocks noGrp="1"/>
+          </p:cNvSpPr>
+          <p:nvPr>
+            <p:ph type="title"/>
+          </p:nvPr>
+        </p:nvSpPr>
+        <p:spPr/>
+        <p:txBody>
+          <a:bodyPr/>
+          <a:lstStyle/>
+          <a:p>
+            <a:r>
+              <a:rPr lang="hu-HU" dirty="0" err="1" smtClean="0"/>
+              <a:t>Principles</a:t>
+            </a:r>
+            <a:endParaRPr lang="hu-HU" dirty="0"/>
+          </a:p>
+        </p:txBody>
+      </p:sp>
+      <p:sp>
+        <p:nvSpPr>
+          <p:cNvPr id="3" name="Tartalom helye 2"/>
+          <p:cNvSpPr>
+            <a:spLocks noGrp="1"/>
+          </p:cNvSpPr>
+          <p:nvPr>
+            <p:ph idx="1"/>
+          </p:nvPr>
+        </p:nvSpPr>
+        <p:spPr>
+          <a:xfrm>
+            <a:off x="467228" y="1743082"/>
+            <a:ext cx="6996828" cy="4058751"/>
+          </a:xfrm>
+        </p:spPr>
+        <p:txBody>
+          <a:bodyPr/>
+          <a:lstStyle/>
+          <a:p>
+            <a:r>
+              <a:rPr lang="en-US" dirty="0">
+                <a:effectLst/>
+              </a:rPr>
+              <a:t>There were five primary goals in creating the Java language</a:t>
+            </a:r>
+            <a:r>
+              <a:rPr lang="en-US" dirty="0" smtClean="0">
+                <a:effectLst/>
+              </a:rPr>
+              <a:t>:</a:t>
+            </a:r>
+            <a:endParaRPr lang="hu-HU" dirty="0" smtClean="0">
+              <a:effectLst/>
+            </a:endParaRPr>
+          </a:p>
+          <a:p>
+            <a:pPr lvl="1"/>
+            <a:r>
+              <a:rPr lang="hu-HU" dirty="0" smtClean="0">
+                <a:effectLst/>
+              </a:rPr>
+              <a:t>1. </a:t>
+            </a:r>
+            <a:r>
+              <a:rPr lang="en-US" dirty="0">
+                <a:effectLst/>
+              </a:rPr>
+              <a:t>It must be simple, </a:t>
+            </a:r>
+            <a:r>
+              <a:rPr lang="en-US" dirty="0">
+                <a:effectLst/>
+                <a:hlinkClick r:id="rId2" tooltip="Object-oriented programming"/>
+              </a:rPr>
+              <a:t>object-oriented</a:t>
+            </a:r>
+            <a:r>
+              <a:rPr lang="en-US" dirty="0">
+                <a:effectLst/>
+              </a:rPr>
+              <a:t>, and familiar.</a:t>
+            </a:r>
+          </a:p>
+          <a:p>
+            <a:pPr lvl="1"/>
+            <a:r>
+              <a:rPr lang="hu-HU" dirty="0" smtClean="0"/>
+              <a:t>2. </a:t>
+            </a:r>
+            <a:r>
+              <a:rPr lang="en-US" dirty="0">
+                <a:effectLst/>
+              </a:rPr>
+              <a:t>It must be </a:t>
+            </a:r>
+            <a:r>
+              <a:rPr lang="en-US" dirty="0">
+                <a:effectLst/>
+                <a:hlinkClick r:id="rId3" tooltip="Robustness (computer science)"/>
+              </a:rPr>
+              <a:t>robust</a:t>
+            </a:r>
+            <a:r>
+              <a:rPr lang="en-US" dirty="0">
+                <a:effectLst/>
+              </a:rPr>
+              <a:t> and secure.</a:t>
+            </a:r>
+          </a:p>
+          <a:p>
+            <a:pPr lvl="1"/>
+            <a:r>
+              <a:rPr lang="hu-HU" dirty="0" smtClean="0"/>
+              <a:t>3. </a:t>
+            </a:r>
+            <a:r>
+              <a:rPr lang="en-US" dirty="0">
+                <a:effectLst/>
+              </a:rPr>
+              <a:t>It must be architecture-neutral and portable.</a:t>
+            </a:r>
+          </a:p>
+          <a:p>
+            <a:pPr lvl="1"/>
+            <a:r>
+              <a:rPr lang="hu-HU" dirty="0" smtClean="0"/>
+              <a:t>4. </a:t>
+            </a:r>
+            <a:r>
+              <a:rPr lang="en-US" dirty="0">
+                <a:effectLst/>
+              </a:rPr>
+              <a:t>It must execute with high performance.</a:t>
+            </a:r>
+          </a:p>
+          <a:p>
+            <a:pPr lvl="1"/>
+            <a:r>
+              <a:rPr lang="hu-HU" dirty="0" smtClean="0"/>
+              <a:t>5. </a:t>
+            </a:r>
+            <a:r>
+              <a:rPr lang="en-US" dirty="0">
+                <a:effectLst/>
+              </a:rPr>
+              <a:t>It must be </a:t>
+            </a:r>
+            <a:r>
+              <a:rPr lang="en-US" dirty="0">
+                <a:effectLst/>
+                <a:hlinkClick r:id="rId4" tooltip="Interpreter (computing)"/>
+              </a:rPr>
+              <a:t>interpreted</a:t>
+            </a:r>
+            <a:r>
+              <a:rPr lang="en-US" dirty="0">
+                <a:effectLst/>
+              </a:rPr>
+              <a:t>, </a:t>
+            </a:r>
+            <a:r>
+              <a:rPr lang="en-US" dirty="0">
+                <a:effectLst/>
+                <a:hlinkClick r:id="rId5" tooltip="Thread (computing)"/>
+              </a:rPr>
+              <a:t>threaded</a:t>
+            </a:r>
+            <a:r>
+              <a:rPr lang="en-US" dirty="0">
+                <a:effectLst/>
+              </a:rPr>
+              <a:t>, and </a:t>
+            </a:r>
+            <a:r>
+              <a:rPr lang="en-US" dirty="0">
+                <a:effectLst/>
+                <a:hlinkClick r:id="rId6" tooltip="Dynamic programming language"/>
+              </a:rPr>
+              <a:t>dynamic</a:t>
+            </a:r>
+            <a:r>
+              <a:rPr lang="en-US" dirty="0">
+                <a:effectLst/>
+              </a:rPr>
+              <a:t>.</a:t>
+            </a:r>
+          </a:p>
+          <a:p>
+            <a:pPr lvl="1"/>
+            <a:endParaRPr lang="hu-HU" dirty="0"/>
+          </a:p>
+        </p:txBody>
+      </p:sp>
+      <p:pic>
+        <p:nvPicPr>
+          <p:cNvPr id="1026" name="Picture 2" descr="SOLID Principles Java - Javatpoint"/>
+          <p:cNvPicPr>
+            <a:picLocks noChangeAspect="1" noChangeArrowheads="1"/>
+          </p:cNvPicPr>
+          <p:nvPr/>
+        </p:nvPicPr>
+        <p:blipFill>
+          <a:blip r:embed="rId7">
+            <a:extLst>
+              <a:ext uri="{28A0092B-C50C-407E-A947-70E740481C1C}">
+                <a14:useLocalDpi xmlns:a14="http://schemas.microsoft.com/office/drawing/2010/main" val="0"/>
+              </a:ext>
+            </a:extLst>
+          </a:blip>
+          <a:srcRect/>
+          <a:stretch>
+            <a:fillRect/>
+          </a:stretch>
+        </p:blipFill>
+        <p:spPr bwMode="auto">
+          <a:xfrm>
+            <a:off x="6121044" y="3056309"/>
+            <a:ext cx="5873086" cy="3095956"/>
+          </a:xfrm>
+          <a:prstGeom prst="rect">
+            <a:avLst/>
+          </a:prstGeom>
+          <a:noFill/>
+          <a:extLst>
+            <a:ext uri="{909E8E84-426E-40DD-AFC4-6F175D3DCCD1}">
+              <a14:hiddenFill xmlns:a14="http://schemas.microsoft.com/office/drawing/2010/main">
+                <a:solidFill>
+                  <a:srgbClr val="FFFFFF"/>
+                </a:solidFill>
+              </a14:hiddenFill>
+            </a:ext>
+          </a:extLst>
+        </p:spPr>
+      </p:pic>
+      <p:sp>
+        <p:nvSpPr>
+          <p:cNvPr id="4" name="AutoShape 4" descr="SOLID Principles Explained (with examples in Java) - DEV Community"/>
+          <p:cNvSpPr>
+            <a:spLocks noChangeAspect="1" noChangeArrowheads="1"/>
+          </p:cNvSpPr>
+          <p:nvPr/>
+        </p:nvSpPr>
+        <p:spPr bwMode="auto">
+          <a:xfrm>
+            <a:off x="155574" y="-144463"/>
+            <a:ext cx="3204313" cy="2419830"/>
+          </a:xfrm>
+          <a:prstGeom prst="rect">
+            <a:avLst/>
+          </a:prstGeom>
+          <a:noFill/>
+          <a:extLst>
+            <a:ext uri="{909E8E84-426E-40DD-AFC4-6F175D3DCCD1}">
+              <a14:hiddenFill xmlns:a14="http://schemas.microsoft.com/office/drawing/2010/main">
+                <a:solidFill>
+                  <a:srgbClr val="FFFFFF"/>
+                </a:solidFill>
+              </a14:hiddenFill>
+            </a:ext>
+          </a:extLst>
+        </p:spPr>
+        <p:txBody>
+          <a:bodyPr vert="horz" wrap="square" lIns="91440" tIns="45720" rIns="91440" bIns="45720" numCol="1" anchor="t" anchorCtr="0" compatLnSpc="1">
+            <a:prstTxWarp prst="textNoShape">
+              <a:avLst/>
+            </a:prstTxWarp>
+          </a:bodyPr>
+          <a:lstStyle/>
+          <a:p>
             <a:endParaRPr lang="hu-HU"/>
           </a:p>
         </p:txBody>
       </p:sp>
+      <p:sp>
+        <p:nvSpPr>
+          <p:cNvPr id="5" name="AutoShape 6" descr="SOLID Principles Explained (with examples in Java) - DEV Community"/>
+          <p:cNvSpPr>
+            <a:spLocks noChangeAspect="1" noChangeArrowheads="1"/>
+          </p:cNvSpPr>
+          <p:nvPr/>
+        </p:nvSpPr>
+        <p:spPr bwMode="auto">
+          <a:xfrm>
+            <a:off x="1952477" y="3690892"/>
+            <a:ext cx="2683318" cy="2683327"/>
+          </a:xfrm>
+          <a:prstGeom prst="rect">
+            <a:avLst/>
+          </a:prstGeom>
+          <a:noFill/>
+          <a:extLst>
+            <a:ext uri="{909E8E84-426E-40DD-AFC4-6F175D3DCCD1}">
+              <a14:hiddenFill xmlns:a14="http://schemas.microsoft.com/office/drawing/2010/main">
+                <a:solidFill>
+                  <a:srgbClr val="FFFFFF"/>
+                </a:solidFill>
+              </a14:hiddenFill>
+            </a:ext>
+          </a:extLst>
+        </p:spPr>
+        <p:txBody>
+          <a:bodyPr vert="horz" wrap="square" lIns="91440" tIns="45720" rIns="91440" bIns="45720" numCol="1" anchor="t" anchorCtr="0" compatLnSpc="1">
+            <a:prstTxWarp prst="textNoShape">
+              <a:avLst/>
+            </a:prstTxWarp>
+          </a:bodyPr>
+          <a:lstStyle/>
+          <a:p>
+            <a:endParaRPr lang="hu-HU"/>
+          </a:p>
+        </p:txBody>
+      </p:sp>
+      <p:pic>
+        <p:nvPicPr>
+          <p:cNvPr id="6" name="Kép 5"/>
+          <p:cNvPicPr>
+            <a:picLocks noChangeAspect="1"/>
+          </p:cNvPicPr>
+          <p:nvPr/>
+        </p:nvPicPr>
+        <p:blipFill>
+          <a:blip r:embed="rId8"/>
+          <a:stretch>
+            <a:fillRect/>
+          </a:stretch>
+        </p:blipFill>
+        <p:spPr>
+          <a:xfrm>
+            <a:off x="584186" y="4563391"/>
+            <a:ext cx="4668298" cy="1939305"/>
+          </a:xfrm>
+          <a:prstGeom prst="rect">
+            <a:avLst/>
+          </a:prstGeom>
+        </p:spPr>
+      </p:pic>
     </p:spTree>
     <p:extLst>
       <p:ext uri="{BB962C8B-B14F-4D97-AF65-F5344CB8AC3E}">
@@ -6511,6 +7447,388 @@
   <p:clrMapOvr>
     <a:masterClrMapping/>
   </p:clrMapOvr>
+  <p:transition spd="med">
+    <p:pull/>
+  </p:transition>
+  <p:timing>
+    <p:tnLst>
+      <p:par>
+        <p:cTn id="1" dur="indefinite" restart="never" nodeType="tmRoot"/>
+      </p:par>
+    </p:tnLst>
+  </p:timing>
+</p:sld>
+</file>
+
+<file path=ppt/slides/slide7.xml><?xml version="1.0" encoding="utf-8"?>
+<p:sld xmlns:a="http://schemas.openxmlformats.org/drawingml/2006/main" xmlns:r="http://schemas.openxmlformats.org/officeDocument/2006/relationships" xmlns:p="http://schemas.openxmlformats.org/presentationml/2006/main">
+  <p:cSld>
+    <p:spTree>
+      <p:nvGrpSpPr>
+        <p:cNvPr id="1" name=""/>
+        <p:cNvGrpSpPr/>
+        <p:nvPr/>
+      </p:nvGrpSpPr>
+      <p:grpSpPr>
+        <a:xfrm>
+          <a:off x="0" y="0"/>
+          <a:ext cx="0" cy="0"/>
+          <a:chOff x="0" y="0"/>
+          <a:chExt cx="0" cy="0"/>
+        </a:xfrm>
+      </p:grpSpPr>
+      <p:sp>
+        <p:nvSpPr>
+          <p:cNvPr id="2" name="Cím 1"/>
+          <p:cNvSpPr>
+            <a:spLocks noGrp="1"/>
+          </p:cNvSpPr>
+          <p:nvPr>
+            <p:ph type="title"/>
+          </p:nvPr>
+        </p:nvSpPr>
+        <p:spPr/>
+        <p:txBody>
+          <a:bodyPr/>
+          <a:lstStyle/>
+          <a:p>
+            <a:r>
+              <a:rPr lang="hu-HU" dirty="0" err="1" smtClean="0"/>
+              <a:t>Syntax</a:t>
+            </a:r>
+            <a:endParaRPr lang="hu-HU" dirty="0"/>
+          </a:p>
+        </p:txBody>
+      </p:sp>
+      <p:sp>
+        <p:nvSpPr>
+          <p:cNvPr id="3" name="Tartalom helye 2"/>
+          <p:cNvSpPr>
+            <a:spLocks noGrp="1"/>
+          </p:cNvSpPr>
+          <p:nvPr>
+            <p:ph idx="1"/>
+          </p:nvPr>
+        </p:nvSpPr>
+        <p:spPr>
+          <a:xfrm>
+            <a:off x="786205" y="1828142"/>
+            <a:ext cx="5008540" cy="4058751"/>
+          </a:xfrm>
+        </p:spPr>
+        <p:txBody>
+          <a:bodyPr>
+            <a:normAutofit lnSpcReduction="10000"/>
+          </a:bodyPr>
+          <a:lstStyle/>
+          <a:p>
+            <a:r>
+              <a:rPr lang="en-US" dirty="0"/>
+              <a:t>Java's syntax is very similar to C++ and C, but it is exclusively object-oriented. All code is in classes, and all data is an object, except for primitive data types (e.g. integers, floating point numbers, logical values, characters). Elements carried over from C++ include the </a:t>
+            </a:r>
+            <a:r>
+              <a:rPr lang="en-US" dirty="0" err="1"/>
+              <a:t>printf</a:t>
+            </a:r>
+            <a:r>
+              <a:rPr lang="en-US" dirty="0"/>
+              <a:t> method. Java does not support operator overloading and multiple inheritance of classes (except for interfaces). It uses three comment formats: single-line (//), multi-line (/* /), and Javadoc (/* */), which can be used to generate documentation</a:t>
+            </a:r>
+            <a:r>
+              <a:rPr lang="en-US" dirty="0" smtClean="0"/>
+              <a:t>.</a:t>
+            </a:r>
+            <a:endParaRPr lang="hu-HU" dirty="0"/>
+          </a:p>
+        </p:txBody>
+      </p:sp>
+      <p:pic>
+        <p:nvPicPr>
+          <p:cNvPr id="2050" name="Picture 2" descr="Understanding Java's Syntax.. Understanding Java's Syntax: Mastering… | by  Alberto Jimenez | Medium"/>
+          <p:cNvPicPr>
+            <a:picLocks noChangeAspect="1" noChangeArrowheads="1"/>
+          </p:cNvPicPr>
+          <p:nvPr/>
+        </p:nvPicPr>
+        <p:blipFill>
+          <a:blip r:embed="rId2">
+            <a:extLst>
+              <a:ext uri="{28A0092B-C50C-407E-A947-70E740481C1C}">
+                <a14:useLocalDpi xmlns:a14="http://schemas.microsoft.com/office/drawing/2010/main" val="0"/>
+              </a:ext>
+            </a:extLst>
+          </a:blip>
+          <a:srcRect/>
+          <a:stretch>
+            <a:fillRect/>
+          </a:stretch>
+        </p:blipFill>
+        <p:spPr bwMode="auto">
+          <a:xfrm>
+            <a:off x="6514918" y="4057436"/>
+            <a:ext cx="5256398" cy="2519735"/>
+          </a:xfrm>
+          <a:prstGeom prst="rect">
+            <a:avLst/>
+          </a:prstGeom>
+          <a:noFill/>
+          <a:extLst>
+            <a:ext uri="{909E8E84-426E-40DD-AFC4-6F175D3DCCD1}">
+              <a14:hiddenFill xmlns:a14="http://schemas.microsoft.com/office/drawing/2010/main">
+                <a:solidFill>
+                  <a:srgbClr val="FFFFFF"/>
+                </a:solidFill>
+              </a14:hiddenFill>
+            </a:ext>
+          </a:extLst>
+        </p:spPr>
+      </p:pic>
+      <p:pic>
+        <p:nvPicPr>
+          <p:cNvPr id="2052" name="Picture 4" descr="Java syntax highlighting errors · Issue #127 · atom/language-java · GitHub"/>
+          <p:cNvPicPr>
+            <a:picLocks noChangeAspect="1" noChangeArrowheads="1"/>
+          </p:cNvPicPr>
+          <p:nvPr/>
+        </p:nvPicPr>
+        <p:blipFill>
+          <a:blip r:embed="rId3">
+            <a:extLst>
+              <a:ext uri="{28A0092B-C50C-407E-A947-70E740481C1C}">
+                <a14:useLocalDpi xmlns:a14="http://schemas.microsoft.com/office/drawing/2010/main" val="0"/>
+              </a:ext>
+            </a:extLst>
+          </a:blip>
+          <a:srcRect/>
+          <a:stretch>
+            <a:fillRect/>
+          </a:stretch>
+        </p:blipFill>
+        <p:spPr bwMode="auto">
+          <a:xfrm>
+            <a:off x="8332013" y="878302"/>
+            <a:ext cx="3203431" cy="2717542"/>
+          </a:xfrm>
+          <a:prstGeom prst="rect">
+            <a:avLst/>
+          </a:prstGeom>
+          <a:noFill/>
+          <a:extLst>
+            <a:ext uri="{909E8E84-426E-40DD-AFC4-6F175D3DCCD1}">
+              <a14:hiddenFill xmlns:a14="http://schemas.microsoft.com/office/drawing/2010/main">
+                <a:solidFill>
+                  <a:srgbClr val="FFFFFF"/>
+                </a:solidFill>
+              </a14:hiddenFill>
+            </a:ext>
+          </a:extLst>
+        </p:spPr>
+      </p:pic>
+    </p:spTree>
+    <p:extLst>
+      <p:ext uri="{BB962C8B-B14F-4D97-AF65-F5344CB8AC3E}">
+        <p14:creationId xmlns:p14="http://schemas.microsoft.com/office/powerpoint/2010/main" val="1478051220"/>
+      </p:ext>
+    </p:extLst>
+  </p:cSld>
+  <p:clrMapOvr>
+    <a:masterClrMapping/>
+  </p:clrMapOvr>
+  <p:transition spd="med">
+    <p:pull/>
+  </p:transition>
+  <p:timing>
+    <p:tnLst>
+      <p:par>
+        <p:cTn id="1" dur="indefinite" restart="never" nodeType="tmRoot"/>
+      </p:par>
+    </p:tnLst>
+  </p:timing>
+</p:sld>
+</file>
+
+<file path=ppt/slides/slide8.xml><?xml version="1.0" encoding="utf-8"?>
+<p:sld xmlns:a="http://schemas.openxmlformats.org/drawingml/2006/main" xmlns:r="http://schemas.openxmlformats.org/officeDocument/2006/relationships" xmlns:p="http://schemas.openxmlformats.org/presentationml/2006/main">
+  <p:cSld>
+    <p:spTree>
+      <p:nvGrpSpPr>
+        <p:cNvPr id="1" name=""/>
+        <p:cNvGrpSpPr/>
+        <p:nvPr/>
+      </p:nvGrpSpPr>
+      <p:grpSpPr>
+        <a:xfrm>
+          <a:off x="0" y="0"/>
+          <a:ext cx="0" cy="0"/>
+          <a:chOff x="0" y="0"/>
+          <a:chExt cx="0" cy="0"/>
+        </a:xfrm>
+      </p:grpSpPr>
+      <p:sp>
+        <p:nvSpPr>
+          <p:cNvPr id="2" name="Cím 1"/>
+          <p:cNvSpPr>
+            <a:spLocks noGrp="1"/>
+          </p:cNvSpPr>
+          <p:nvPr>
+            <p:ph type="ctrTitle"/>
+          </p:nvPr>
+        </p:nvSpPr>
+        <p:spPr/>
+        <p:txBody>
+          <a:bodyPr/>
+          <a:lstStyle/>
+          <a:p>
+            <a:r>
+              <a:rPr lang="hu-HU" dirty="0" err="1" smtClean="0"/>
+              <a:t>Thank</a:t>
+            </a:r>
+            <a:r>
+              <a:rPr lang="hu-HU" dirty="0" smtClean="0"/>
+              <a:t> </a:t>
+            </a:r>
+            <a:r>
+              <a:rPr lang="hu-HU" dirty="0" err="1" smtClean="0"/>
+              <a:t>for</a:t>
+            </a:r>
+            <a:r>
+              <a:rPr lang="hu-HU" dirty="0" smtClean="0"/>
+              <a:t> </a:t>
+            </a:r>
+            <a:r>
+              <a:rPr lang="hu-HU" dirty="0" err="1" smtClean="0"/>
+              <a:t>your</a:t>
+            </a:r>
+            <a:r>
+              <a:rPr lang="hu-HU" dirty="0" smtClean="0"/>
+              <a:t> </a:t>
+            </a:r>
+            <a:r>
+              <a:rPr lang="hu-HU" dirty="0" err="1" smtClean="0"/>
+              <a:t>attention</a:t>
+            </a:r>
+            <a:r>
+              <a:rPr lang="hu-HU" dirty="0" smtClean="0"/>
+              <a:t>!</a:t>
+            </a:r>
+            <a:endParaRPr lang="hu-HU" dirty="0"/>
+          </a:p>
+        </p:txBody>
+      </p:sp>
+      <p:sp>
+        <p:nvSpPr>
+          <p:cNvPr id="3" name="Alcím 2"/>
+          <p:cNvSpPr>
+            <a:spLocks noGrp="1"/>
+          </p:cNvSpPr>
+          <p:nvPr>
+            <p:ph type="subTitle" idx="1"/>
+          </p:nvPr>
+        </p:nvSpPr>
+        <p:spPr/>
+        <p:txBody>
+          <a:bodyPr/>
+          <a:lstStyle/>
+          <a:p>
+            <a:endParaRPr lang="hu-HU"/>
+          </a:p>
+        </p:txBody>
+      </p:sp>
+      <p:pic>
+        <p:nvPicPr>
+          <p:cNvPr id="4098" name="Picture 2" descr="James Gosling"/>
+          <p:cNvPicPr>
+            <a:picLocks noChangeAspect="1" noChangeArrowheads="1"/>
+          </p:cNvPicPr>
+          <p:nvPr/>
+        </p:nvPicPr>
+        <p:blipFill>
+          <a:blip r:embed="rId2">
+            <a:extLst>
+              <a:ext uri="{28A0092B-C50C-407E-A947-70E740481C1C}">
+                <a14:useLocalDpi xmlns:a14="http://schemas.microsoft.com/office/drawing/2010/main" val="0"/>
+              </a:ext>
+            </a:extLst>
+          </a:blip>
+          <a:srcRect/>
+          <a:stretch>
+            <a:fillRect/>
+          </a:stretch>
+        </p:blipFill>
+        <p:spPr bwMode="auto">
+          <a:xfrm rot="20649893">
+            <a:off x="463919" y="3561907"/>
+            <a:ext cx="2108568" cy="2940899"/>
+          </a:xfrm>
+          <a:prstGeom prst="rect">
+            <a:avLst/>
+          </a:prstGeom>
+          <a:noFill/>
+          <a:extLst>
+            <a:ext uri="{909E8E84-426E-40DD-AFC4-6F175D3DCCD1}">
+              <a14:hiddenFill xmlns:a14="http://schemas.microsoft.com/office/drawing/2010/main">
+                <a:solidFill>
+                  <a:srgbClr val="FFFFFF"/>
+                </a:solidFill>
+              </a14:hiddenFill>
+            </a:ext>
+          </a:extLst>
+        </p:spPr>
+      </p:pic>
+      <p:pic>
+        <p:nvPicPr>
+          <p:cNvPr id="4100" name="Picture 4" descr="Dev.java: The Destination for Java Developers"/>
+          <p:cNvPicPr>
+            <a:picLocks noChangeAspect="1" noChangeArrowheads="1"/>
+          </p:cNvPicPr>
+          <p:nvPr/>
+        </p:nvPicPr>
+        <p:blipFill>
+          <a:blip r:embed="rId3">
+            <a:extLst>
+              <a:ext uri="{28A0092B-C50C-407E-A947-70E740481C1C}">
+                <a14:useLocalDpi xmlns:a14="http://schemas.microsoft.com/office/drawing/2010/main" val="0"/>
+              </a:ext>
+            </a:extLst>
+          </a:blip>
+          <a:srcRect/>
+          <a:stretch>
+            <a:fillRect/>
+          </a:stretch>
+        </p:blipFill>
+        <p:spPr bwMode="auto">
+          <a:xfrm>
+            <a:off x="9509984" y="112152"/>
+            <a:ext cx="2436322" cy="2436322"/>
+          </a:xfrm>
+          <a:prstGeom prst="rect">
+            <a:avLst/>
+          </a:prstGeom>
+          <a:noFill/>
+          <a:extLst>
+            <a:ext uri="{909E8E84-426E-40DD-AFC4-6F175D3DCCD1}">
+              <a14:hiddenFill xmlns:a14="http://schemas.microsoft.com/office/drawing/2010/main">
+                <a:solidFill>
+                  <a:srgbClr val="FFFFFF"/>
+                </a:solidFill>
+              </a14:hiddenFill>
+            </a:ext>
+          </a:extLst>
+        </p:spPr>
+      </p:pic>
+    </p:spTree>
+    <p:extLst>
+      <p:ext uri="{BB962C8B-B14F-4D97-AF65-F5344CB8AC3E}">
+        <p14:creationId xmlns:p14="http://schemas.microsoft.com/office/powerpoint/2010/main" val="3832931761"/>
+      </p:ext>
+    </p:extLst>
+  </p:cSld>
+  <p:clrMapOvr>
+    <a:masterClrMapping/>
+  </p:clrMapOvr>
+  <p:transition spd="slow">
+    <p:cover/>
+  </p:transition>
   <p:timing>
     <p:tnLst>
       <p:par>

--- a/James Gosling.pptx
+++ b/James Gosling.pptx
@@ -4,6 +4,9 @@
   <p:sldMasterIdLst>
     <p:sldMasterId id="2147483660" r:id="rId1"/>
   </p:sldMasterIdLst>
+  <p:notesMasterIdLst>
+    <p:notesMasterId r:id="rId10"/>
+  </p:notesMasterIdLst>
   <p:sldIdLst>
     <p:sldId id="256" r:id="rId2"/>
     <p:sldId id="257" r:id="rId3"/>
@@ -138,6 +141,444 @@
 </p:presentation>
 </file>
 
+<file path=ppt/notesMasters/notesMaster1.xml><?xml version="1.0" encoding="utf-8"?>
+<p:notesMaster xmlns:a="http://schemas.openxmlformats.org/drawingml/2006/main" xmlns:r="http://schemas.openxmlformats.org/officeDocument/2006/relationships" xmlns:p="http://schemas.openxmlformats.org/presentationml/2006/main">
+  <p:cSld>
+    <p:bg>
+      <p:bgRef idx="1001">
+        <a:schemeClr val="bg1"/>
+      </p:bgRef>
+    </p:bg>
+    <p:spTree>
+      <p:nvGrpSpPr>
+        <p:cNvPr id="1" name=""/>
+        <p:cNvGrpSpPr/>
+        <p:nvPr/>
+      </p:nvGrpSpPr>
+      <p:grpSpPr>
+        <a:xfrm>
+          <a:off x="0" y="0"/>
+          <a:ext cx="0" cy="0"/>
+          <a:chOff x="0" y="0"/>
+          <a:chExt cx="0" cy="0"/>
+        </a:xfrm>
+      </p:grpSpPr>
+      <p:sp>
+        <p:nvSpPr>
+          <p:cNvPr id="2" name="Élőfej helye 1"/>
+          <p:cNvSpPr>
+            <a:spLocks noGrp="1"/>
+          </p:cNvSpPr>
+          <p:nvPr>
+            <p:ph type="hdr" sz="quarter"/>
+          </p:nvPr>
+        </p:nvSpPr>
+        <p:spPr>
+          <a:xfrm>
+            <a:off x="0" y="0"/>
+            <a:ext cx="2971800" cy="458788"/>
+          </a:xfrm>
+          <a:prstGeom prst="rect">
+            <a:avLst/>
+          </a:prstGeom>
+        </p:spPr>
+        <p:txBody>
+          <a:bodyPr vert="horz" lIns="91440" tIns="45720" rIns="91440" bIns="45720" rtlCol="0"/>
+          <a:lstStyle>
+            <a:lvl1pPr algn="l">
+              <a:defRPr sz="1200"/>
+            </a:lvl1pPr>
+          </a:lstStyle>
+          <a:p>
+            <a:endParaRPr lang="hu-HU"/>
+          </a:p>
+        </p:txBody>
+      </p:sp>
+      <p:sp>
+        <p:nvSpPr>
+          <p:cNvPr id="3" name="Dátum helye 2"/>
+          <p:cNvSpPr>
+            <a:spLocks noGrp="1"/>
+          </p:cNvSpPr>
+          <p:nvPr>
+            <p:ph type="dt" idx="1"/>
+          </p:nvPr>
+        </p:nvSpPr>
+        <p:spPr>
+          <a:xfrm>
+            <a:off x="3884613" y="0"/>
+            <a:ext cx="2971800" cy="458788"/>
+          </a:xfrm>
+          <a:prstGeom prst="rect">
+            <a:avLst/>
+          </a:prstGeom>
+        </p:spPr>
+        <p:txBody>
+          <a:bodyPr vert="horz" lIns="91440" tIns="45720" rIns="91440" bIns="45720" rtlCol="0"/>
+          <a:lstStyle>
+            <a:lvl1pPr algn="r">
+              <a:defRPr sz="1200"/>
+            </a:lvl1pPr>
+          </a:lstStyle>
+          <a:p>
+            <a:fld id="{5F6BB768-BE70-4058-904C-713788956C76}" type="datetimeFigureOut">
+              <a:rPr lang="hu-HU" smtClean="0"/>
+              <a:t>2024. 10. 18.</a:t>
+            </a:fld>
+            <a:endParaRPr lang="hu-HU"/>
+          </a:p>
+        </p:txBody>
+      </p:sp>
+      <p:sp>
+        <p:nvSpPr>
+          <p:cNvPr id="4" name="Diakép helye 3"/>
+          <p:cNvSpPr>
+            <a:spLocks noGrp="1" noRot="1" noChangeAspect="1"/>
+          </p:cNvSpPr>
+          <p:nvPr>
+            <p:ph type="sldImg" idx="2"/>
+          </p:nvPr>
+        </p:nvSpPr>
+        <p:spPr>
+          <a:xfrm>
+            <a:off x="685800" y="1143000"/>
+            <a:ext cx="5486400" cy="3086100"/>
+          </a:xfrm>
+          <a:prstGeom prst="rect">
+            <a:avLst/>
+          </a:prstGeom>
+          <a:noFill/>
+          <a:ln w="12700">
+            <a:solidFill>
+              <a:prstClr val="black"/>
+            </a:solidFill>
+          </a:ln>
+        </p:spPr>
+        <p:txBody>
+          <a:bodyPr vert="horz" lIns="91440" tIns="45720" rIns="91440" bIns="45720" rtlCol="0" anchor="ctr"/>
+          <a:lstStyle/>
+          <a:p>
+            <a:endParaRPr lang="hu-HU"/>
+          </a:p>
+        </p:txBody>
+      </p:sp>
+      <p:sp>
+        <p:nvSpPr>
+          <p:cNvPr id="5" name="Jegyzetek helye 4"/>
+          <p:cNvSpPr>
+            <a:spLocks noGrp="1"/>
+          </p:cNvSpPr>
+          <p:nvPr>
+            <p:ph type="body" sz="quarter" idx="3"/>
+          </p:nvPr>
+        </p:nvSpPr>
+        <p:spPr>
+          <a:xfrm>
+            <a:off x="685800" y="4400550"/>
+            <a:ext cx="5486400" cy="3600450"/>
+          </a:xfrm>
+          <a:prstGeom prst="rect">
+            <a:avLst/>
+          </a:prstGeom>
+        </p:spPr>
+        <p:txBody>
+          <a:bodyPr vert="horz" lIns="91440" tIns="45720" rIns="91440" bIns="45720" rtlCol="0"/>
+          <a:lstStyle/>
+          <a:p>
+            <a:pPr lvl="0"/>
+            <a:r>
+              <a:rPr lang="hu-HU" smtClean="0"/>
+              <a:t>Mintaszöveg szerkesztése</a:t>
+            </a:r>
+          </a:p>
+          <a:p>
+            <a:pPr lvl="1"/>
+            <a:r>
+              <a:rPr lang="hu-HU" smtClean="0"/>
+              <a:t>Második szint</a:t>
+            </a:r>
+          </a:p>
+          <a:p>
+            <a:pPr lvl="2"/>
+            <a:r>
+              <a:rPr lang="hu-HU" smtClean="0"/>
+              <a:t>Harmadik szint</a:t>
+            </a:r>
+          </a:p>
+          <a:p>
+            <a:pPr lvl="3"/>
+            <a:r>
+              <a:rPr lang="hu-HU" smtClean="0"/>
+              <a:t>Negyedik szint</a:t>
+            </a:r>
+          </a:p>
+          <a:p>
+            <a:pPr lvl="4"/>
+            <a:r>
+              <a:rPr lang="hu-HU" smtClean="0"/>
+              <a:t>Ötödik szint</a:t>
+            </a:r>
+            <a:endParaRPr lang="hu-HU"/>
+          </a:p>
+        </p:txBody>
+      </p:sp>
+      <p:sp>
+        <p:nvSpPr>
+          <p:cNvPr id="6" name="Élőláb helye 5"/>
+          <p:cNvSpPr>
+            <a:spLocks noGrp="1"/>
+          </p:cNvSpPr>
+          <p:nvPr>
+            <p:ph type="ftr" sz="quarter" idx="4"/>
+          </p:nvPr>
+        </p:nvSpPr>
+        <p:spPr>
+          <a:xfrm>
+            <a:off x="0" y="8685213"/>
+            <a:ext cx="2971800" cy="458787"/>
+          </a:xfrm>
+          <a:prstGeom prst="rect">
+            <a:avLst/>
+          </a:prstGeom>
+        </p:spPr>
+        <p:txBody>
+          <a:bodyPr vert="horz" lIns="91440" tIns="45720" rIns="91440" bIns="45720" rtlCol="0" anchor="b"/>
+          <a:lstStyle>
+            <a:lvl1pPr algn="l">
+              <a:defRPr sz="1200"/>
+            </a:lvl1pPr>
+          </a:lstStyle>
+          <a:p>
+            <a:endParaRPr lang="hu-HU"/>
+          </a:p>
+        </p:txBody>
+      </p:sp>
+      <p:sp>
+        <p:nvSpPr>
+          <p:cNvPr id="7" name="Dia számának helye 6"/>
+          <p:cNvSpPr>
+            <a:spLocks noGrp="1"/>
+          </p:cNvSpPr>
+          <p:nvPr>
+            <p:ph type="sldNum" sz="quarter" idx="5"/>
+          </p:nvPr>
+        </p:nvSpPr>
+        <p:spPr>
+          <a:xfrm>
+            <a:off x="3884613" y="8685213"/>
+            <a:ext cx="2971800" cy="458787"/>
+          </a:xfrm>
+          <a:prstGeom prst="rect">
+            <a:avLst/>
+          </a:prstGeom>
+        </p:spPr>
+        <p:txBody>
+          <a:bodyPr vert="horz" lIns="91440" tIns="45720" rIns="91440" bIns="45720" rtlCol="0" anchor="b"/>
+          <a:lstStyle>
+            <a:lvl1pPr algn="r">
+              <a:defRPr sz="1200"/>
+            </a:lvl1pPr>
+          </a:lstStyle>
+          <a:p>
+            <a:fld id="{F32199F5-FAA3-4D1A-BE55-9E608EED6256}" type="slidenum">
+              <a:rPr lang="hu-HU" smtClean="0"/>
+              <a:t>‹#›</a:t>
+            </a:fld>
+            <a:endParaRPr lang="hu-HU"/>
+          </a:p>
+        </p:txBody>
+      </p:sp>
+    </p:spTree>
+    <p:extLst>
+      <p:ext uri="{BB962C8B-B14F-4D97-AF65-F5344CB8AC3E}">
+        <p14:creationId xmlns:p14="http://schemas.microsoft.com/office/powerpoint/2010/main" val="2096811935"/>
+      </p:ext>
+    </p:extLst>
+  </p:cSld>
+  <p:clrMap bg1="lt1" tx1="dk1" bg2="lt2" tx2="dk2" accent1="accent1" accent2="accent2" accent3="accent3" accent4="accent4" accent5="accent5" accent6="accent6" hlink="hlink" folHlink="folHlink"/>
+  <p:notesStyle>
+    <a:lvl1pPr marL="0" algn="l" defTabSz="914400" rtl="0" eaLnBrk="1" latinLnBrk="0" hangingPunct="1">
+      <a:defRPr sz="1200" kern="1200">
+        <a:solidFill>
+          <a:schemeClr val="tx1"/>
+        </a:solidFill>
+        <a:latin typeface="+mn-lt"/>
+        <a:ea typeface="+mn-ea"/>
+        <a:cs typeface="+mn-cs"/>
+      </a:defRPr>
+    </a:lvl1pPr>
+    <a:lvl2pPr marL="457200" algn="l" defTabSz="914400" rtl="0" eaLnBrk="1" latinLnBrk="0" hangingPunct="1">
+      <a:defRPr sz="1200" kern="1200">
+        <a:solidFill>
+          <a:schemeClr val="tx1"/>
+        </a:solidFill>
+        <a:latin typeface="+mn-lt"/>
+        <a:ea typeface="+mn-ea"/>
+        <a:cs typeface="+mn-cs"/>
+      </a:defRPr>
+    </a:lvl2pPr>
+    <a:lvl3pPr marL="914400" algn="l" defTabSz="914400" rtl="0" eaLnBrk="1" latinLnBrk="0" hangingPunct="1">
+      <a:defRPr sz="1200" kern="1200">
+        <a:solidFill>
+          <a:schemeClr val="tx1"/>
+        </a:solidFill>
+        <a:latin typeface="+mn-lt"/>
+        <a:ea typeface="+mn-ea"/>
+        <a:cs typeface="+mn-cs"/>
+      </a:defRPr>
+    </a:lvl3pPr>
+    <a:lvl4pPr marL="1371600" algn="l" defTabSz="914400" rtl="0" eaLnBrk="1" latinLnBrk="0" hangingPunct="1">
+      <a:defRPr sz="1200" kern="1200">
+        <a:solidFill>
+          <a:schemeClr val="tx1"/>
+        </a:solidFill>
+        <a:latin typeface="+mn-lt"/>
+        <a:ea typeface="+mn-ea"/>
+        <a:cs typeface="+mn-cs"/>
+      </a:defRPr>
+    </a:lvl4pPr>
+    <a:lvl5pPr marL="1828800" algn="l" defTabSz="914400" rtl="0" eaLnBrk="1" latinLnBrk="0" hangingPunct="1">
+      <a:defRPr sz="1200" kern="1200">
+        <a:solidFill>
+          <a:schemeClr val="tx1"/>
+        </a:solidFill>
+        <a:latin typeface="+mn-lt"/>
+        <a:ea typeface="+mn-ea"/>
+        <a:cs typeface="+mn-cs"/>
+      </a:defRPr>
+    </a:lvl5pPr>
+    <a:lvl6pPr marL="2286000" algn="l" defTabSz="914400" rtl="0" eaLnBrk="1" latinLnBrk="0" hangingPunct="1">
+      <a:defRPr sz="1200" kern="1200">
+        <a:solidFill>
+          <a:schemeClr val="tx1"/>
+        </a:solidFill>
+        <a:latin typeface="+mn-lt"/>
+        <a:ea typeface="+mn-ea"/>
+        <a:cs typeface="+mn-cs"/>
+      </a:defRPr>
+    </a:lvl6pPr>
+    <a:lvl7pPr marL="2743200" algn="l" defTabSz="914400" rtl="0" eaLnBrk="1" latinLnBrk="0" hangingPunct="1">
+      <a:defRPr sz="1200" kern="1200">
+        <a:solidFill>
+          <a:schemeClr val="tx1"/>
+        </a:solidFill>
+        <a:latin typeface="+mn-lt"/>
+        <a:ea typeface="+mn-ea"/>
+        <a:cs typeface="+mn-cs"/>
+      </a:defRPr>
+    </a:lvl7pPr>
+    <a:lvl8pPr marL="3200400" algn="l" defTabSz="914400" rtl="0" eaLnBrk="1" latinLnBrk="0" hangingPunct="1">
+      <a:defRPr sz="1200" kern="1200">
+        <a:solidFill>
+          <a:schemeClr val="tx1"/>
+        </a:solidFill>
+        <a:latin typeface="+mn-lt"/>
+        <a:ea typeface="+mn-ea"/>
+        <a:cs typeface="+mn-cs"/>
+      </a:defRPr>
+    </a:lvl8pPr>
+    <a:lvl9pPr marL="3657600" algn="l" defTabSz="914400" rtl="0" eaLnBrk="1" latinLnBrk="0" hangingPunct="1">
+      <a:defRPr sz="1200" kern="1200">
+        <a:solidFill>
+          <a:schemeClr val="tx1"/>
+        </a:solidFill>
+        <a:latin typeface="+mn-lt"/>
+        <a:ea typeface="+mn-ea"/>
+        <a:cs typeface="+mn-cs"/>
+      </a:defRPr>
+    </a:lvl9pPr>
+  </p:notesStyle>
+</p:notesMaster>
+</file>
+
+<file path=ppt/notesSlides/notesSlide1.xml><?xml version="1.0" encoding="utf-8"?>
+<p:notes xmlns:a="http://schemas.openxmlformats.org/drawingml/2006/main" xmlns:r="http://schemas.openxmlformats.org/officeDocument/2006/relationships" xmlns:p="http://schemas.openxmlformats.org/presentationml/2006/main">
+  <p:cSld>
+    <p:spTree>
+      <p:nvGrpSpPr>
+        <p:cNvPr id="1" name=""/>
+        <p:cNvGrpSpPr/>
+        <p:nvPr/>
+      </p:nvGrpSpPr>
+      <p:grpSpPr>
+        <a:xfrm>
+          <a:off x="0" y="0"/>
+          <a:ext cx="0" cy="0"/>
+          <a:chOff x="0" y="0"/>
+          <a:chExt cx="0" cy="0"/>
+        </a:xfrm>
+      </p:grpSpPr>
+      <p:sp>
+        <p:nvSpPr>
+          <p:cNvPr id="2" name="Diakép helye 1"/>
+          <p:cNvSpPr>
+            <a:spLocks noGrp="1" noRot="1" noChangeAspect="1"/>
+          </p:cNvSpPr>
+          <p:nvPr>
+            <p:ph type="sldImg"/>
+          </p:nvPr>
+        </p:nvSpPr>
+        <p:spPr/>
+      </p:sp>
+      <p:sp>
+        <p:nvSpPr>
+          <p:cNvPr id="3" name="Jegyzetek helye 2"/>
+          <p:cNvSpPr>
+            <a:spLocks noGrp="1"/>
+          </p:cNvSpPr>
+          <p:nvPr>
+            <p:ph type="body" idx="1"/>
+          </p:nvPr>
+        </p:nvSpPr>
+        <p:spPr/>
+        <p:txBody>
+          <a:bodyPr/>
+          <a:lstStyle/>
+          <a:p>
+            <a:r>
+              <a:rPr lang="hu-HU" smtClean="0"/>
+              <a:t>fasz</a:t>
+            </a:r>
+            <a:endParaRPr lang="hu-HU"/>
+          </a:p>
+        </p:txBody>
+      </p:sp>
+      <p:sp>
+        <p:nvSpPr>
+          <p:cNvPr id="4" name="Dia számának helye 3"/>
+          <p:cNvSpPr>
+            <a:spLocks noGrp="1"/>
+          </p:cNvSpPr>
+          <p:nvPr>
+            <p:ph type="sldNum" sz="quarter" idx="10"/>
+          </p:nvPr>
+        </p:nvSpPr>
+        <p:spPr/>
+        <p:txBody>
+          <a:bodyPr/>
+          <a:lstStyle/>
+          <a:p>
+            <a:fld id="{F32199F5-FAA3-4D1A-BE55-9E608EED6256}" type="slidenum">
+              <a:rPr lang="hu-HU" smtClean="0"/>
+              <a:t>2</a:t>
+            </a:fld>
+            <a:endParaRPr lang="hu-HU"/>
+          </a:p>
+        </p:txBody>
+      </p:sp>
+    </p:spTree>
+    <p:extLst>
+      <p:ext uri="{BB962C8B-B14F-4D97-AF65-F5344CB8AC3E}">
+        <p14:creationId xmlns:p14="http://schemas.microsoft.com/office/powerpoint/2010/main" val="1131373001"/>
+      </p:ext>
+    </p:extLst>
+  </p:cSld>
+  <p:clrMapOvr>
+    <a:masterClrMapping/>
+  </p:clrMapOvr>
+</p:notes>
+</file>
+
 <file path=ppt/slideLayouts/slideLayout1.xml><?xml version="1.0" encoding="utf-8"?>
 <p:sldLayout xmlns:a="http://schemas.openxmlformats.org/drawingml/2006/main" xmlns:r="http://schemas.openxmlformats.org/officeDocument/2006/relationships" xmlns:p="http://schemas.openxmlformats.org/presentationml/2006/main" type="title" preserve="1">
   <p:cSld name="Címdia">
@@ -323,7 +764,7 @@
           <a:p>
             <a:fld id="{E63833D1-44AB-4973-BE4D-E0C4D873CF55}" type="datetimeFigureOut">
               <a:rPr lang="hu-HU" smtClean="0"/>
-              <a:t>2024. 10. 11.</a:t>
+              <a:t>2024. 10. 18.</a:t>
             </a:fld>
             <a:endParaRPr lang="hu-HU"/>
           </a:p>
@@ -621,7 +1062,7 @@
           <a:p>
             <a:fld id="{E63833D1-44AB-4973-BE4D-E0C4D873CF55}" type="datetimeFigureOut">
               <a:rPr lang="hu-HU" smtClean="0"/>
-              <a:t>2024. 10. 11.</a:t>
+              <a:t>2024. 10. 18.</a:t>
             </a:fld>
             <a:endParaRPr lang="hu-HU"/>
           </a:p>
@@ -813,7 +1254,7 @@
           <a:p>
             <a:fld id="{E63833D1-44AB-4973-BE4D-E0C4D873CF55}" type="datetimeFigureOut">
               <a:rPr lang="hu-HU" smtClean="0"/>
-              <a:t>2024. 10. 11.</a:t>
+              <a:t>2024. 10. 18.</a:t>
             </a:fld>
             <a:endParaRPr lang="hu-HU"/>
           </a:p>
@@ -1074,7 +1515,7 @@
           <a:p>
             <a:fld id="{E63833D1-44AB-4973-BE4D-E0C4D873CF55}" type="datetimeFigureOut">
               <a:rPr lang="hu-HU" smtClean="0"/>
-              <a:t>2024. 10. 11.</a:t>
+              <a:t>2024. 10. 18.</a:t>
             </a:fld>
             <a:endParaRPr lang="hu-HU"/>
           </a:p>
@@ -1498,7 +1939,7 @@
           <a:p>
             <a:fld id="{E63833D1-44AB-4973-BE4D-E0C4D873CF55}" type="datetimeFigureOut">
               <a:rPr lang="hu-HU" smtClean="0"/>
-              <a:t>2024. 10. 11.</a:t>
+              <a:t>2024. 10. 18.</a:t>
             </a:fld>
             <a:endParaRPr lang="hu-HU"/>
           </a:p>
@@ -2035,7 +2476,7 @@
           <a:p>
             <a:fld id="{E63833D1-44AB-4973-BE4D-E0C4D873CF55}" type="datetimeFigureOut">
               <a:rPr lang="hu-HU" smtClean="0"/>
-              <a:t>2024. 10. 11.</a:t>
+              <a:t>2024. 10. 18.</a:t>
             </a:fld>
             <a:endParaRPr lang="hu-HU"/>
           </a:p>
@@ -2899,7 +3340,7 @@
           <a:p>
             <a:fld id="{E63833D1-44AB-4973-BE4D-E0C4D873CF55}" type="datetimeFigureOut">
               <a:rPr lang="hu-HU" smtClean="0"/>
-              <a:t>2024. 10. 11.</a:t>
+              <a:t>2024. 10. 18.</a:t>
             </a:fld>
             <a:endParaRPr lang="hu-HU"/>
           </a:p>
@@ -3069,7 +3510,7 @@
           <a:p>
             <a:fld id="{E63833D1-44AB-4973-BE4D-E0C4D873CF55}" type="datetimeFigureOut">
               <a:rPr lang="hu-HU" smtClean="0"/>
-              <a:t>2024. 10. 11.</a:t>
+              <a:t>2024. 10. 18.</a:t>
             </a:fld>
             <a:endParaRPr lang="hu-HU"/>
           </a:p>
@@ -3253,7 +3694,7 @@
           <a:p>
             <a:fld id="{E63833D1-44AB-4973-BE4D-E0C4D873CF55}" type="datetimeFigureOut">
               <a:rPr lang="hu-HU" smtClean="0"/>
-              <a:t>2024. 10. 11.</a:t>
+              <a:t>2024. 10. 18.</a:t>
             </a:fld>
             <a:endParaRPr lang="hu-HU"/>
           </a:p>
@@ -3423,7 +3864,7 @@
           <a:p>
             <a:fld id="{E63833D1-44AB-4973-BE4D-E0C4D873CF55}" type="datetimeFigureOut">
               <a:rPr lang="hu-HU" smtClean="0"/>
-              <a:t>2024. 10. 11.</a:t>
+              <a:t>2024. 10. 18.</a:t>
             </a:fld>
             <a:endParaRPr lang="hu-HU"/>
           </a:p>
@@ -3667,7 +4108,7 @@
           <a:p>
             <a:fld id="{E63833D1-44AB-4973-BE4D-E0C4D873CF55}" type="datetimeFigureOut">
               <a:rPr lang="hu-HU" smtClean="0"/>
-              <a:t>2024. 10. 11.</a:t>
+              <a:t>2024. 10. 18.</a:t>
             </a:fld>
             <a:endParaRPr lang="hu-HU"/>
           </a:p>
@@ -3903,7 +4344,7 @@
           <a:p>
             <a:fld id="{E63833D1-44AB-4973-BE4D-E0C4D873CF55}" type="datetimeFigureOut">
               <a:rPr lang="hu-HU" smtClean="0"/>
-              <a:t>2024. 10. 11.</a:t>
+              <a:t>2024. 10. 18.</a:t>
             </a:fld>
             <a:endParaRPr lang="hu-HU"/>
           </a:p>
@@ -4369,7 +4810,7 @@
           <a:p>
             <a:fld id="{E63833D1-44AB-4973-BE4D-E0C4D873CF55}" type="datetimeFigureOut">
               <a:rPr lang="hu-HU" smtClean="0"/>
-              <a:t>2024. 10. 11.</a:t>
+              <a:t>2024. 10. 18.</a:t>
             </a:fld>
             <a:endParaRPr lang="hu-HU"/>
           </a:p>
@@ -4487,7 +4928,7 @@
           <a:p>
             <a:fld id="{E63833D1-44AB-4973-BE4D-E0C4D873CF55}" type="datetimeFigureOut">
               <a:rPr lang="hu-HU" smtClean="0"/>
-              <a:t>2024. 10. 11.</a:t>
+              <a:t>2024. 10. 18.</a:t>
             </a:fld>
             <a:endParaRPr lang="hu-HU"/>
           </a:p>
@@ -4582,7 +5023,7 @@
           <a:p>
             <a:fld id="{E63833D1-44AB-4973-BE4D-E0C4D873CF55}" type="datetimeFigureOut">
               <a:rPr lang="hu-HU" smtClean="0"/>
-              <a:t>2024. 10. 11.</a:t>
+              <a:t>2024. 10. 18.</a:t>
             </a:fld>
             <a:endParaRPr lang="hu-HU"/>
           </a:p>
@@ -4837,7 +5278,7 @@
           <a:p>
             <a:fld id="{E63833D1-44AB-4973-BE4D-E0C4D873CF55}" type="datetimeFigureOut">
               <a:rPr lang="hu-HU" smtClean="0"/>
-              <a:t>2024. 10. 11.</a:t>
+              <a:t>2024. 10. 18.</a:t>
             </a:fld>
             <a:endParaRPr lang="hu-HU"/>
           </a:p>
@@ -5137,7 +5578,7 @@
           <a:p>
             <a:fld id="{E63833D1-44AB-4973-BE4D-E0C4D873CF55}" type="datetimeFigureOut">
               <a:rPr lang="hu-HU" smtClean="0"/>
-              <a:t>2024. 10. 11.</a:t>
+              <a:t>2024. 10. 18.</a:t>
             </a:fld>
             <a:endParaRPr lang="hu-HU"/>
           </a:p>
@@ -5371,7 +5812,7 @@
           <a:p>
             <a:fld id="{E63833D1-44AB-4973-BE4D-E0C4D873CF55}" type="datetimeFigureOut">
               <a:rPr lang="hu-HU" smtClean="0"/>
-              <a:t>2024. 10. 11.</a:t>
+              <a:t>2024. 10. 18.</a:t>
             </a:fld>
             <a:endParaRPr lang="hu-HU"/>
           </a:p>
@@ -8161,7 +8602,7 @@
           <p:nvPr/>
         </p:nvPicPr>
         <p:blipFill>
-          <a:blip r:embed="rId2">
+          <a:blip r:embed="rId3">
             <a:extLst>
               <a:ext uri="{28A0092B-C50C-407E-A947-70E740481C1C}">
                 <a14:useLocalDpi xmlns:a14="http://schemas.microsoft.com/office/drawing/2010/main" val="0"/>
@@ -8175,8 +8616,49 @@
         </p:blipFill>
         <p:spPr bwMode="auto">
           <a:xfrm>
-            <a:off x="7853799" y="1807535"/>
+            <a:off x="7853799" y="1208239"/>
             <a:ext cx="3948340" cy="2629595"/>
+          </a:xfrm>
+          <a:prstGeom prst="rect">
+            <a:avLst/>
+          </a:prstGeom>
+          <a:noFill/>
+          <a:extLst>
+            <a:ext uri="{909E8E84-426E-40DD-AFC4-6F175D3DCCD1}">
+              <a14:hiddenFill xmlns:a14="http://schemas.microsoft.com/office/drawing/2010/main">
+                <a:solidFill>
+                  <a:srgbClr val="FFFFFF"/>
+                </a:solidFill>
+              </a14:hiddenFill>
+            </a:ext>
+          </a:extLst>
+        </p:spPr>
+      </p:pic>
+      <p:pic>
+        <p:nvPicPr>
+          <p:cNvPr id="1026" name="Picture 2" descr="java-one-james-gosling - ViralPatel.net"/>
+          <p:cNvPicPr>
+            <a:picLocks noChangeAspect="1" noChangeArrowheads="1"/>
+          </p:cNvPicPr>
+          <p:nvPr/>
+        </p:nvPicPr>
+        <p:blipFill>
+          <a:blip r:embed="rId4">
+            <a:extLst>
+              <a:ext uri="{28A0092B-C50C-407E-A947-70E740481C1C}">
+                <a14:useLocalDpi xmlns:a14="http://schemas.microsoft.com/office/drawing/2010/main" val="0"/>
+              </a:ext>
+            </a:extLst>
+          </a:blip>
+          <a:srcRect/>
+          <a:stretch>
+            <a:fillRect/>
+          </a:stretch>
+        </p:blipFill>
+        <p:spPr bwMode="auto">
+          <a:xfrm>
+            <a:off x="7853799" y="3986922"/>
+            <a:ext cx="3948340" cy="2857500"/>
           </a:xfrm>
           <a:prstGeom prst="rect">
             <a:avLst/>
@@ -10650,8 +11132,8 @@
         </p:blipFill>
         <p:spPr bwMode="auto">
           <a:xfrm>
-            <a:off x="6375105" y="2379036"/>
-            <a:ext cx="5435809" cy="3181792"/>
+            <a:off x="6230680" y="1820220"/>
+            <a:ext cx="5867314" cy="4157988"/>
           </a:xfrm>
           <a:prstGeom prst="rect">
             <a:avLst/>
@@ -12945,7 +13427,7 @@
         </p:blipFill>
         <p:spPr bwMode="auto">
           <a:xfrm>
-            <a:off x="7347098" y="-230738"/>
+            <a:off x="-214933" y="-265211"/>
             <a:ext cx="4150611" cy="2179071"/>
           </a:xfrm>
           <a:prstGeom prst="rect">
@@ -12986,8 +13468,8 @@
         </p:blipFill>
         <p:spPr bwMode="auto">
           <a:xfrm>
-            <a:off x="8141585" y="1913860"/>
-            <a:ext cx="3323800" cy="2083981"/>
+            <a:off x="7914039" y="3997841"/>
+            <a:ext cx="4157725" cy="2006009"/>
           </a:xfrm>
           <a:prstGeom prst="rect">
             <a:avLst/>
@@ -13027,8 +13509,8 @@
         </p:blipFill>
         <p:spPr bwMode="auto">
           <a:xfrm>
-            <a:off x="8127998" y="4331651"/>
-            <a:ext cx="3337387" cy="2085867"/>
+            <a:off x="7347098" y="474613"/>
+            <a:ext cx="4724666" cy="3032835"/>
           </a:xfrm>
           <a:prstGeom prst="rect">
             <a:avLst/>
@@ -15950,8 +16432,8 @@
         </p:blipFill>
         <p:spPr bwMode="auto">
           <a:xfrm>
-            <a:off x="6121044" y="3056309"/>
-            <a:ext cx="5873086" cy="3095956"/>
+            <a:off x="6121044" y="2169042"/>
+            <a:ext cx="5873086" cy="3983223"/>
           </a:xfrm>
           <a:prstGeom prst="rect">
             <a:avLst/>
@@ -16197,8 +16679,8 @@
         </p:blipFill>
         <p:spPr bwMode="auto">
           <a:xfrm>
-            <a:off x="8332013" y="878302"/>
-            <a:ext cx="3203431" cy="2717542"/>
+            <a:off x="6632413" y="268593"/>
+            <a:ext cx="5553035" cy="4143917"/>
           </a:xfrm>
           <a:prstGeom prst="rect">
             <a:avLst/>
@@ -18257,7 +18739,19 @@
           <a:bodyPr/>
           <a:lstStyle/>
           <a:p>
-            <a:endParaRPr lang="hu-HU"/>
+            <a:r>
+              <a:rPr lang="hu-HU" dirty="0" err="1" smtClean="0"/>
+              <a:t>Resources</a:t>
+            </a:r>
+            <a:r>
+              <a:rPr lang="hu-HU" dirty="0" smtClean="0"/>
+              <a:t>: </a:t>
+            </a:r>
+            <a:r>
+              <a:rPr lang="hu-HU" dirty="0" err="1" smtClean="0"/>
+              <a:t>Wikipedia</a:t>
+            </a:r>
+            <a:endParaRPr lang="hu-HU" dirty="0"/>
           </a:p>
         </p:txBody>
       </p:sp>
@@ -18606,4 +19100,265 @@
     </a:ext>
   </a:extLst>
 </a:theme>
+</file>
+
+<file path=ppt/theme/theme2.xml><?xml version="1.0" encoding="utf-8"?>
+<a:theme xmlns:a="http://schemas.openxmlformats.org/drawingml/2006/main" name="Office-téma">
+  <a:themeElements>
+    <a:clrScheme name="Office">
+      <a:dk1>
+        <a:sysClr val="windowText" lastClr="000000"/>
+      </a:dk1>
+      <a:lt1>
+        <a:sysClr val="window" lastClr="FFFFFF"/>
+      </a:lt1>
+      <a:dk2>
+        <a:srgbClr val="44546A"/>
+      </a:dk2>
+      <a:lt2>
+        <a:srgbClr val="E7E6E6"/>
+      </a:lt2>
+      <a:accent1>
+        <a:srgbClr val="5B9BD5"/>
+      </a:accent1>
+      <a:accent2>
+        <a:srgbClr val="ED7D31"/>
+      </a:accent2>
+      <a:accent3>
+        <a:srgbClr val="A5A5A5"/>
+      </a:accent3>
+      <a:accent4>
+        <a:srgbClr val="FFC000"/>
+      </a:accent4>
+      <a:accent5>
+        <a:srgbClr val="4472C4"/>
+      </a:accent5>
+      <a:accent6>
+        <a:srgbClr val="70AD47"/>
+      </a:accent6>
+      <a:hlink>
+        <a:srgbClr val="0563C1"/>
+      </a:hlink>
+      <a:folHlink>
+        <a:srgbClr val="954F72"/>
+      </a:folHlink>
+    </a:clrScheme>
+    <a:fontScheme name="Office">
+      <a:majorFont>
+        <a:latin typeface="Calibri Light" panose="020F0302020204030204"/>
+        <a:ea typeface=""/>
+        <a:cs typeface=""/>
+        <a:font script="Jpan" typeface="游ゴシック Light"/>
+        <a:font script="Hang" typeface="맑은 고딕"/>
+        <a:font script="Hans" typeface="等线 Light"/>
+        <a:font script="Hant" typeface="新細明體"/>
+        <a:font script="Arab" typeface="Times New Roman"/>
+        <a:font script="Hebr" typeface="Times New Roman"/>
+        <a:font script="Thai" typeface="Angsana New"/>
+        <a:font script="Ethi" typeface="Nyala"/>
+        <a:font script="Beng" typeface="Vrinda"/>
+        <a:font script="Gujr" typeface="Shruti"/>
+        <a:font script="Khmr" typeface="MoolBoran"/>
+        <a:font script="Knda" typeface="Tunga"/>
+        <a:font script="Guru" typeface="Raavi"/>
+        <a:font script="Cans" typeface="Euphemia"/>
+        <a:font script="Cher" typeface="Plantagenet Cherokee"/>
+        <a:font script="Yiii" typeface="Microsoft Yi Baiti"/>
+        <a:font script="Tibt" typeface="Microsoft Himalaya"/>
+        <a:font script="Thaa" typeface="MV Boli"/>
+        <a:font script="Deva" typeface="Mangal"/>
+        <a:font script="Telu" typeface="Gautami"/>
+        <a:font script="Taml" typeface="Latha"/>
+        <a:font script="Syrc" typeface="Estrangelo Edessa"/>
+        <a:font script="Orya" typeface="Kalinga"/>
+        <a:font script="Mlym" typeface="Kartika"/>
+        <a:font script="Laoo" typeface="DokChampa"/>
+        <a:font script="Sinh" typeface="Iskoola Pota"/>
+        <a:font script="Mong" typeface="Mongolian Baiti"/>
+        <a:font script="Viet" typeface="Times New Roman"/>
+        <a:font script="Uigh" typeface="Microsoft Uighur"/>
+        <a:font script="Geor" typeface="Sylfaen"/>
+      </a:majorFont>
+      <a:minorFont>
+        <a:latin typeface="Calibri" panose="020F0502020204030204"/>
+        <a:ea typeface=""/>
+        <a:cs typeface=""/>
+        <a:font script="Jpan" typeface="游ゴシック"/>
+        <a:font script="Hang" typeface="맑은 고딕"/>
+        <a:font script="Hans" typeface="等线"/>
+        <a:font script="Hant" typeface="新細明體"/>
+        <a:font script="Arab" typeface="Arial"/>
+        <a:font script="Hebr" typeface="Arial"/>
+        <a:font script="Thai" typeface="Cordia New"/>
+        <a:font script="Ethi" typeface="Nyala"/>
+        <a:font script="Beng" typeface="Vrinda"/>
+        <a:font script="Gujr" typeface="Shruti"/>
+        <a:font script="Khmr" typeface="DaunPenh"/>
+        <a:font script="Knda" typeface="Tunga"/>
+        <a:font script="Guru" typeface="Raavi"/>
+        <a:font script="Cans" typeface="Euphemia"/>
+        <a:font script="Cher" typeface="Plantagenet Cherokee"/>
+        <a:font script="Yiii" typeface="Microsoft Yi Baiti"/>
+        <a:font script="Tibt" typeface="Microsoft Himalaya"/>
+        <a:font script="Thaa" typeface="MV Boli"/>
+        <a:font script="Deva" typeface="Mangal"/>
+        <a:font script="Telu" typeface="Gautami"/>
+        <a:font script="Taml" typeface="Latha"/>
+        <a:font script="Syrc" typeface="Estrangelo Edessa"/>
+        <a:font script="Orya" typeface="Kalinga"/>
+        <a:font script="Mlym" typeface="Kartika"/>
+        <a:font script="Laoo" typeface="DokChampa"/>
+        <a:font script="Sinh" typeface="Iskoola Pota"/>
+        <a:font script="Mong" typeface="Mongolian Baiti"/>
+        <a:font script="Viet" typeface="Arial"/>
+        <a:font script="Uigh" typeface="Microsoft Uighur"/>
+        <a:font script="Geor" typeface="Sylfaen"/>
+      </a:minorFont>
+    </a:fontScheme>
+    <a:fmtScheme name="Office">
+      <a:fillStyleLst>
+        <a:solidFill>
+          <a:schemeClr val="phClr"/>
+        </a:solidFill>
+        <a:gradFill rotWithShape="1">
+          <a:gsLst>
+            <a:gs pos="0">
+              <a:schemeClr val="phClr">
+                <a:lumMod val="110000"/>
+                <a:satMod val="105000"/>
+                <a:tint val="67000"/>
+              </a:schemeClr>
+            </a:gs>
+            <a:gs pos="50000">
+              <a:schemeClr val="phClr">
+                <a:lumMod val="105000"/>
+                <a:satMod val="103000"/>
+                <a:tint val="73000"/>
+              </a:schemeClr>
+            </a:gs>
+            <a:gs pos="100000">
+              <a:schemeClr val="phClr">
+                <a:lumMod val="105000"/>
+                <a:satMod val="109000"/>
+                <a:tint val="81000"/>
+              </a:schemeClr>
+            </a:gs>
+          </a:gsLst>
+          <a:lin ang="5400000" scaled="0"/>
+        </a:gradFill>
+        <a:gradFill rotWithShape="1">
+          <a:gsLst>
+            <a:gs pos="0">
+              <a:schemeClr val="phClr">
+                <a:satMod val="103000"/>
+                <a:lumMod val="102000"/>
+                <a:tint val="94000"/>
+              </a:schemeClr>
+            </a:gs>
+            <a:gs pos="50000">
+              <a:schemeClr val="phClr">
+                <a:satMod val="110000"/>
+                <a:lumMod val="100000"/>
+                <a:shade val="100000"/>
+              </a:schemeClr>
+            </a:gs>
+            <a:gs pos="100000">
+              <a:schemeClr val="phClr">
+                <a:lumMod val="99000"/>
+                <a:satMod val="120000"/>
+                <a:shade val="78000"/>
+              </a:schemeClr>
+            </a:gs>
+          </a:gsLst>
+          <a:lin ang="5400000" scaled="0"/>
+        </a:gradFill>
+      </a:fillStyleLst>
+      <a:lnStyleLst>
+        <a:ln w="6350" cap="flat" cmpd="sng" algn="ctr">
+          <a:solidFill>
+            <a:schemeClr val="phClr"/>
+          </a:solidFill>
+          <a:prstDash val="solid"/>
+          <a:miter lim="800000"/>
+        </a:ln>
+        <a:ln w="12700" cap="flat" cmpd="sng" algn="ctr">
+          <a:solidFill>
+            <a:schemeClr val="phClr"/>
+          </a:solidFill>
+          <a:prstDash val="solid"/>
+          <a:miter lim="800000"/>
+        </a:ln>
+        <a:ln w="19050" cap="flat" cmpd="sng" algn="ctr">
+          <a:solidFill>
+            <a:schemeClr val="phClr"/>
+          </a:solidFill>
+          <a:prstDash val="solid"/>
+          <a:miter lim="800000"/>
+        </a:ln>
+      </a:lnStyleLst>
+      <a:effectStyleLst>
+        <a:effectStyle>
+          <a:effectLst/>
+        </a:effectStyle>
+        <a:effectStyle>
+          <a:effectLst/>
+        </a:effectStyle>
+        <a:effectStyle>
+          <a:effectLst>
+            <a:outerShdw blurRad="57150" dist="19050" dir="5400000" algn="ctr" rotWithShape="0">
+              <a:srgbClr val="000000">
+                <a:alpha val="63000"/>
+              </a:srgbClr>
+            </a:outerShdw>
+          </a:effectLst>
+        </a:effectStyle>
+      </a:effectStyleLst>
+      <a:bgFillStyleLst>
+        <a:solidFill>
+          <a:schemeClr val="phClr"/>
+        </a:solidFill>
+        <a:solidFill>
+          <a:schemeClr val="phClr">
+            <a:tint val="95000"/>
+            <a:satMod val="170000"/>
+          </a:schemeClr>
+        </a:solidFill>
+        <a:gradFill rotWithShape="1">
+          <a:gsLst>
+            <a:gs pos="0">
+              <a:schemeClr val="phClr">
+                <a:tint val="93000"/>
+                <a:satMod val="150000"/>
+                <a:shade val="98000"/>
+                <a:lumMod val="102000"/>
+              </a:schemeClr>
+            </a:gs>
+            <a:gs pos="50000">
+              <a:schemeClr val="phClr">
+                <a:tint val="98000"/>
+                <a:satMod val="130000"/>
+                <a:shade val="90000"/>
+                <a:lumMod val="103000"/>
+              </a:schemeClr>
+            </a:gs>
+            <a:gs pos="100000">
+              <a:schemeClr val="phClr">
+                <a:shade val="63000"/>
+                <a:satMod val="120000"/>
+              </a:schemeClr>
+            </a:gs>
+          </a:gsLst>
+          <a:lin ang="5400000" scaled="0"/>
+        </a:gradFill>
+      </a:bgFillStyleLst>
+    </a:fmtScheme>
+  </a:themeElements>
+  <a:objectDefaults/>
+  <a:extraClrSchemeLst/>
+  <a:extLst>
+    <a:ext uri="{05A4C25C-085E-4340-85A3-A5531E510DB2}">
+      <thm15:themeFamily xmlns:thm15="http://schemas.microsoft.com/office/thememl/2012/main" name="Office Theme" id="{62F939B6-93AF-4DB8-9C6B-D6C7DFDC589F}" vid="{4A3C46E8-61CC-4603-A589-7422A47A8E4A}"/>
+    </a:ext>
+  </a:extLst>
+</a:theme>
 </file>